--- a/Figures/MELF-XFD-block.pptx
+++ b/Figures/MELF-XFD-block.pptx
@@ -6,6 +6,7 @@
   </p:sldMasterIdLst>
   <p:sldIdLst>
     <p:sldId id="256" r:id="rId2"/>
+    <p:sldId id="257" r:id="rId3"/>
   </p:sldIdLst>
   <p:sldSz cx="12192000" cy="6858000"/>
   <p:notesSz cx="6858000" cy="9144000"/>
@@ -243,7 +244,7 @@
           <a:p>
             <a:fld id="{65140C34-7896-4960-8449-41FCA172A4E6}" type="datetimeFigureOut">
               <a:rPr lang="ur-PK" smtClean="0"/>
-              <a:t>25/07/1447</a:t>
+              <a:t>02/08/1447</a:t>
             </a:fld>
             <a:endParaRPr lang="ur-PK"/>
           </a:p>
@@ -413,7 +414,7 @@
           <a:p>
             <a:fld id="{65140C34-7896-4960-8449-41FCA172A4E6}" type="datetimeFigureOut">
               <a:rPr lang="ur-PK" smtClean="0"/>
-              <a:t>25/07/1447</a:t>
+              <a:t>02/08/1447</a:t>
             </a:fld>
             <a:endParaRPr lang="ur-PK"/>
           </a:p>
@@ -593,7 +594,7 @@
           <a:p>
             <a:fld id="{65140C34-7896-4960-8449-41FCA172A4E6}" type="datetimeFigureOut">
               <a:rPr lang="ur-PK" smtClean="0"/>
-              <a:t>25/07/1447</a:t>
+              <a:t>02/08/1447</a:t>
             </a:fld>
             <a:endParaRPr lang="ur-PK"/>
           </a:p>
@@ -763,7 +764,7 @@
           <a:p>
             <a:fld id="{65140C34-7896-4960-8449-41FCA172A4E6}" type="datetimeFigureOut">
               <a:rPr lang="ur-PK" smtClean="0"/>
-              <a:t>25/07/1447</a:t>
+              <a:t>02/08/1447</a:t>
             </a:fld>
             <a:endParaRPr lang="ur-PK"/>
           </a:p>
@@ -1009,7 +1010,7 @@
           <a:p>
             <a:fld id="{65140C34-7896-4960-8449-41FCA172A4E6}" type="datetimeFigureOut">
               <a:rPr lang="ur-PK" smtClean="0"/>
-              <a:t>25/07/1447</a:t>
+              <a:t>02/08/1447</a:t>
             </a:fld>
             <a:endParaRPr lang="ur-PK"/>
           </a:p>
@@ -1241,7 +1242,7 @@
           <a:p>
             <a:fld id="{65140C34-7896-4960-8449-41FCA172A4E6}" type="datetimeFigureOut">
               <a:rPr lang="ur-PK" smtClean="0"/>
-              <a:t>25/07/1447</a:t>
+              <a:t>02/08/1447</a:t>
             </a:fld>
             <a:endParaRPr lang="ur-PK"/>
           </a:p>
@@ -1608,7 +1609,7 @@
           <a:p>
             <a:fld id="{65140C34-7896-4960-8449-41FCA172A4E6}" type="datetimeFigureOut">
               <a:rPr lang="ur-PK" smtClean="0"/>
-              <a:t>25/07/1447</a:t>
+              <a:t>02/08/1447</a:t>
             </a:fld>
             <a:endParaRPr lang="ur-PK"/>
           </a:p>
@@ -1726,7 +1727,7 @@
           <a:p>
             <a:fld id="{65140C34-7896-4960-8449-41FCA172A4E6}" type="datetimeFigureOut">
               <a:rPr lang="ur-PK" smtClean="0"/>
-              <a:t>25/07/1447</a:t>
+              <a:t>02/08/1447</a:t>
             </a:fld>
             <a:endParaRPr lang="ur-PK"/>
           </a:p>
@@ -1821,7 +1822,7 @@
           <a:p>
             <a:fld id="{65140C34-7896-4960-8449-41FCA172A4E6}" type="datetimeFigureOut">
               <a:rPr lang="ur-PK" smtClean="0"/>
-              <a:t>25/07/1447</a:t>
+              <a:t>02/08/1447</a:t>
             </a:fld>
             <a:endParaRPr lang="ur-PK"/>
           </a:p>
@@ -2098,7 +2099,7 @@
           <a:p>
             <a:fld id="{65140C34-7896-4960-8449-41FCA172A4E6}" type="datetimeFigureOut">
               <a:rPr lang="ur-PK" smtClean="0"/>
-              <a:t>25/07/1447</a:t>
+              <a:t>02/08/1447</a:t>
             </a:fld>
             <a:endParaRPr lang="ur-PK"/>
           </a:p>
@@ -2351,7 +2352,7 @@
           <a:p>
             <a:fld id="{65140C34-7896-4960-8449-41FCA172A4E6}" type="datetimeFigureOut">
               <a:rPr lang="ur-PK" smtClean="0"/>
-              <a:t>25/07/1447</a:t>
+              <a:t>02/08/1447</a:t>
             </a:fld>
             <a:endParaRPr lang="ur-PK"/>
           </a:p>
@@ -2564,7 +2565,7 @@
           <a:p>
             <a:fld id="{65140C34-7896-4960-8449-41FCA172A4E6}" type="datetimeFigureOut">
               <a:rPr lang="ur-PK" smtClean="0"/>
-              <a:t>25/07/1447</a:t>
+              <a:t>02/08/1447</a:t>
             </a:fld>
             <a:endParaRPr lang="ur-PK"/>
           </a:p>
@@ -3179,7 +3180,7 @@
         </p:nvSpPr>
         <p:spPr>
           <a:xfrm>
-            <a:off x="-7195764" y="-1917720"/>
+            <a:off x="-7170334" y="-3250540"/>
             <a:ext cx="5062928" cy="990389"/>
           </a:xfrm>
           <a:prstGeom prst="roundRect">
@@ -3526,7 +3527,7 @@
         </p:blipFill>
         <p:spPr>
           <a:xfrm>
-            <a:off x="-8109284" y="-1038585"/>
+            <a:off x="-8146153" y="-2260151"/>
             <a:ext cx="7014567" cy="4676379"/>
           </a:xfrm>
           <a:prstGeom prst="roundRect">
@@ -7183,6 +7184,622 @@
     <p:extLst>
       <p:ext uri="{BB962C8B-B14F-4D97-AF65-F5344CB8AC3E}">
         <p14:creationId xmlns:p14="http://schemas.microsoft.com/office/powerpoint/2010/main" val="3712677242"/>
+      </p:ext>
+    </p:extLst>
+  </p:cSld>
+  <p:clrMapOvr>
+    <a:masterClrMapping/>
+  </p:clrMapOvr>
+</p:sld>
+</file>
+
+<file path=ppt/slides/slide2.xml><?xml version="1.0" encoding="utf-8"?>
+<p:sld xmlns:a="http://schemas.openxmlformats.org/drawingml/2006/main" xmlns:r="http://schemas.openxmlformats.org/officeDocument/2006/relationships" xmlns:p="http://schemas.openxmlformats.org/presentationml/2006/main">
+  <p:cSld>
+    <p:spTree>
+      <p:nvGrpSpPr>
+        <p:cNvPr id="1" name=""/>
+        <p:cNvGrpSpPr/>
+        <p:nvPr/>
+      </p:nvGrpSpPr>
+      <p:grpSpPr>
+        <a:xfrm>
+          <a:off x="0" y="0"/>
+          <a:ext cx="0" cy="0"/>
+          <a:chOff x="0" y="0"/>
+          <a:chExt cx="0" cy="0"/>
+        </a:xfrm>
+      </p:grpSpPr>
+      <p:pic>
+        <p:nvPicPr>
+          <p:cNvPr id="5" name="Content Placeholder 4"/>
+          <p:cNvPicPr>
+            <a:picLocks noGrp="1" noChangeAspect="1"/>
+          </p:cNvPicPr>
+          <p:nvPr>
+            <p:ph idx="1"/>
+          </p:nvPr>
+        </p:nvPicPr>
+        <p:blipFill rotWithShape="1">
+          <a:blip r:embed="rId2">
+            <a:extLst>
+              <a:ext uri="{28A0092B-C50C-407E-A947-70E740481C1C}">
+                <a14:useLocalDpi xmlns:a14="http://schemas.microsoft.com/office/drawing/2010/main" val="0"/>
+              </a:ext>
+            </a:extLst>
+          </a:blip>
+          <a:srcRect l="16553" t="8308" b="74652"/>
+          <a:stretch/>
+        </p:blipFill>
+        <p:spPr>
+          <a:xfrm>
+            <a:off x="-240147" y="1139392"/>
+            <a:ext cx="6797963" cy="1012485"/>
+          </a:xfrm>
+        </p:spPr>
+      </p:pic>
+      <p:sp>
+        <p:nvSpPr>
+          <p:cNvPr id="6" name="Rectangle 5"/>
+          <p:cNvSpPr/>
+          <p:nvPr/>
+        </p:nvSpPr>
+        <p:spPr>
+          <a:xfrm rot="16200000">
+            <a:off x="-1277935" y="1321154"/>
+            <a:ext cx="1549103" cy="526473"/>
+          </a:xfrm>
+          <a:prstGeom prst="rect">
+            <a:avLst/>
+          </a:prstGeom>
+          <a:noFill/>
+          <a:ln>
+            <a:noFill/>
+          </a:ln>
+        </p:spPr>
+        <p:style>
+          <a:lnRef idx="2">
+            <a:schemeClr val="accent1">
+              <a:shade val="50000"/>
+            </a:schemeClr>
+          </a:lnRef>
+          <a:fillRef idx="1">
+            <a:schemeClr val="accent1"/>
+          </a:fillRef>
+          <a:effectRef idx="0">
+            <a:schemeClr val="accent1"/>
+          </a:effectRef>
+          <a:fontRef idx="minor">
+            <a:schemeClr val="lt1"/>
+          </a:fontRef>
+        </p:style>
+        <p:txBody>
+          <a:bodyPr rtlCol="1" anchor="ctr"/>
+          <a:lstStyle/>
+          <a:p>
+            <a:pPr algn="ctr"/>
+            <a:r>
+              <a:rPr lang="en-US" b="1" dirty="0" smtClean="0">
+                <a:solidFill>
+                  <a:schemeClr val="tx1"/>
+                </a:solidFill>
+                <a:latin typeface="Arial Narrow" panose="020B0606020202030204" pitchFamily="34" charset="0"/>
+              </a:rPr>
+              <a:t>(</a:t>
+            </a:r>
+            <a:r>
+              <a:rPr lang="en-US" b="1" dirty="0" err="1" smtClean="0">
+                <a:solidFill>
+                  <a:schemeClr val="tx1"/>
+                </a:solidFill>
+                <a:latin typeface="Arial Narrow" panose="020B0606020202030204" pitchFamily="34" charset="0"/>
+              </a:rPr>
+              <a:t>i</a:t>
+            </a:r>
+            <a:r>
+              <a:rPr lang="en-US" b="1" dirty="0" smtClean="0">
+                <a:solidFill>
+                  <a:schemeClr val="tx1"/>
+                </a:solidFill>
+                <a:latin typeface="Arial Narrow" panose="020B0606020202030204" pitchFamily="34" charset="0"/>
+              </a:rPr>
+              <a:t>) Add weight </a:t>
+            </a:r>
+            <a:endParaRPr lang="ur-PK" b="1" dirty="0">
+              <a:solidFill>
+                <a:schemeClr val="tx1"/>
+              </a:solidFill>
+              <a:latin typeface="Arial Narrow" panose="020B0606020202030204" pitchFamily="34" charset="0"/>
+            </a:endParaRPr>
+          </a:p>
+        </p:txBody>
+      </p:sp>
+      <p:sp>
+        <p:nvSpPr>
+          <p:cNvPr id="7" name="Rectangle 6"/>
+          <p:cNvSpPr/>
+          <p:nvPr/>
+        </p:nvSpPr>
+        <p:spPr>
+          <a:xfrm rot="16200000">
+            <a:off x="6046501" y="1321153"/>
+            <a:ext cx="1549103" cy="526473"/>
+          </a:xfrm>
+          <a:prstGeom prst="rect">
+            <a:avLst/>
+          </a:prstGeom>
+          <a:noFill/>
+          <a:ln>
+            <a:noFill/>
+          </a:ln>
+        </p:spPr>
+        <p:style>
+          <a:lnRef idx="2">
+            <a:schemeClr val="accent1">
+              <a:shade val="50000"/>
+            </a:schemeClr>
+          </a:lnRef>
+          <a:fillRef idx="1">
+            <a:schemeClr val="accent1"/>
+          </a:fillRef>
+          <a:effectRef idx="0">
+            <a:schemeClr val="accent1"/>
+          </a:effectRef>
+          <a:fontRef idx="minor">
+            <a:schemeClr val="lt1"/>
+          </a:fontRef>
+        </p:style>
+        <p:txBody>
+          <a:bodyPr rtlCol="1" anchor="ctr"/>
+          <a:lstStyle/>
+          <a:p>
+            <a:pPr algn="ctr"/>
+            <a:r>
+              <a:rPr lang="en-US" b="1" dirty="0" smtClean="0">
+                <a:solidFill>
+                  <a:schemeClr val="tx1"/>
+                </a:solidFill>
+                <a:latin typeface="Arial Narrow" panose="020B0606020202030204" pitchFamily="34" charset="0"/>
+              </a:rPr>
+              <a:t>(ii) Normal</a:t>
+            </a:r>
+            <a:endParaRPr lang="ur-PK" b="1" dirty="0">
+              <a:solidFill>
+                <a:schemeClr val="tx1"/>
+              </a:solidFill>
+              <a:latin typeface="Arial Narrow" panose="020B0606020202030204" pitchFamily="34" charset="0"/>
+            </a:endParaRPr>
+          </a:p>
+        </p:txBody>
+      </p:sp>
+      <p:pic>
+        <p:nvPicPr>
+          <p:cNvPr id="8" name="Picture 7"/>
+          <p:cNvPicPr>
+            <a:picLocks noChangeAspect="1"/>
+          </p:cNvPicPr>
+          <p:nvPr/>
+        </p:nvPicPr>
+        <p:blipFill rotWithShape="1">
+          <a:blip r:embed="rId2">
+            <a:extLst>
+              <a:ext uri="{28A0092B-C50C-407E-A947-70E740481C1C}">
+                <a14:useLocalDpi xmlns:a14="http://schemas.microsoft.com/office/drawing/2010/main" val="0"/>
+              </a:ext>
+            </a:extLst>
+          </a:blip>
+          <a:srcRect l="16217" t="25993" b="56903"/>
+          <a:stretch/>
+        </p:blipFill>
+        <p:spPr>
+          <a:xfrm>
+            <a:off x="7084289" y="1174675"/>
+            <a:ext cx="6413813" cy="955029"/>
+          </a:xfrm>
+          <a:prstGeom prst="rect">
+            <a:avLst/>
+          </a:prstGeom>
+        </p:spPr>
+      </p:pic>
+      <p:pic>
+        <p:nvPicPr>
+          <p:cNvPr id="9" name="Picture 8"/>
+          <p:cNvPicPr>
+            <a:picLocks noChangeAspect="1"/>
+          </p:cNvPicPr>
+          <p:nvPr/>
+        </p:nvPicPr>
+        <p:blipFill rotWithShape="1">
+          <a:blip r:embed="rId2">
+            <a:extLst>
+              <a:ext uri="{28A0092B-C50C-407E-A947-70E740481C1C}">
+                <a14:useLocalDpi xmlns:a14="http://schemas.microsoft.com/office/drawing/2010/main" val="0"/>
+              </a:ext>
+            </a:extLst>
+          </a:blip>
+          <a:srcRect l="16700" t="43232" b="39663"/>
+          <a:stretch/>
+        </p:blipFill>
+        <p:spPr>
+          <a:xfrm>
+            <a:off x="7193384" y="3934073"/>
+            <a:ext cx="6376867" cy="955030"/>
+          </a:xfrm>
+          <a:prstGeom prst="rect">
+            <a:avLst/>
+          </a:prstGeom>
+        </p:spPr>
+      </p:pic>
+      <p:sp>
+        <p:nvSpPr>
+          <p:cNvPr id="10" name="Rectangle 9"/>
+          <p:cNvSpPr/>
+          <p:nvPr/>
+        </p:nvSpPr>
+        <p:spPr>
+          <a:xfrm>
+            <a:off x="1588783" y="2598869"/>
+            <a:ext cx="1902691" cy="428635"/>
+          </a:xfrm>
+          <a:prstGeom prst="rect">
+            <a:avLst/>
+          </a:prstGeom>
+          <a:noFill/>
+          <a:ln>
+            <a:noFill/>
+          </a:ln>
+        </p:spPr>
+        <p:style>
+          <a:lnRef idx="2">
+            <a:schemeClr val="accent1">
+              <a:shade val="50000"/>
+            </a:schemeClr>
+          </a:lnRef>
+          <a:fillRef idx="1">
+            <a:schemeClr val="accent1"/>
+          </a:fillRef>
+          <a:effectRef idx="0">
+            <a:schemeClr val="accent1"/>
+          </a:effectRef>
+          <a:fontRef idx="minor">
+            <a:schemeClr val="lt1"/>
+          </a:fontRef>
+        </p:style>
+        <p:txBody>
+          <a:bodyPr rtlCol="1" anchor="ctr"/>
+          <a:lstStyle/>
+          <a:p>
+            <a:pPr algn="ctr"/>
+            <a:r>
+              <a:rPr lang="en-US" b="1" dirty="0">
+                <a:solidFill>
+                  <a:schemeClr val="tx1"/>
+                </a:solidFill>
+                <a:latin typeface="Arial Narrow" panose="020B0606020202030204" pitchFamily="34" charset="0"/>
+              </a:rPr>
+              <a:t>(</a:t>
+            </a:r>
+            <a:r>
+              <a:rPr lang="en-US" b="1" dirty="0" smtClean="0">
+                <a:solidFill>
+                  <a:schemeClr val="tx1"/>
+                </a:solidFill>
+                <a:latin typeface="Arial Narrow" panose="020B0606020202030204" pitchFamily="34" charset="0"/>
+              </a:rPr>
+              <a:t>ii) </a:t>
+            </a:r>
+            <a:r>
+              <a:rPr lang="en-US" b="1" dirty="0">
+                <a:solidFill>
+                  <a:schemeClr val="tx1"/>
+                </a:solidFill>
+                <a:latin typeface="Arial Narrow" panose="020B0606020202030204" pitchFamily="34" charset="0"/>
+              </a:rPr>
+              <a:t>Propeller damage slight</a:t>
+            </a:r>
+            <a:endParaRPr lang="ur-PK" b="1" dirty="0">
+              <a:solidFill>
+                <a:schemeClr val="tx1"/>
+              </a:solidFill>
+              <a:latin typeface="Arial Narrow" panose="020B0606020202030204" pitchFamily="34" charset="0"/>
+            </a:endParaRPr>
+          </a:p>
+        </p:txBody>
+      </p:sp>
+      <p:pic>
+        <p:nvPicPr>
+          <p:cNvPr id="11" name="Picture 10"/>
+          <p:cNvPicPr>
+            <a:picLocks noChangeAspect="1"/>
+          </p:cNvPicPr>
+          <p:nvPr/>
+        </p:nvPicPr>
+        <p:blipFill rotWithShape="1">
+          <a:blip r:embed="rId2">
+            <a:extLst>
+              <a:ext uri="{28A0092B-C50C-407E-A947-70E740481C1C}">
+                <a14:useLocalDpi xmlns:a14="http://schemas.microsoft.com/office/drawing/2010/main" val="0"/>
+              </a:ext>
+            </a:extLst>
+          </a:blip>
+          <a:srcRect l="16941" t="61145" b="22828"/>
+          <a:stretch/>
+        </p:blipFill>
+        <p:spPr>
+          <a:xfrm>
+            <a:off x="-277145" y="3941653"/>
+            <a:ext cx="6741995" cy="948858"/>
+          </a:xfrm>
+          <a:prstGeom prst="rect">
+            <a:avLst/>
+          </a:prstGeom>
+        </p:spPr>
+      </p:pic>
+      <p:sp>
+        <p:nvSpPr>
+          <p:cNvPr id="13" name="Rectangle 12"/>
+          <p:cNvSpPr/>
+          <p:nvPr/>
+        </p:nvSpPr>
+        <p:spPr>
+          <a:xfrm rot="16200000">
+            <a:off x="-1427193" y="4113059"/>
+            <a:ext cx="1549103" cy="526473"/>
+          </a:xfrm>
+          <a:prstGeom prst="rect">
+            <a:avLst/>
+          </a:prstGeom>
+          <a:noFill/>
+          <a:ln>
+            <a:noFill/>
+          </a:ln>
+        </p:spPr>
+        <p:style>
+          <a:lnRef idx="2">
+            <a:schemeClr val="accent1">
+              <a:shade val="50000"/>
+            </a:schemeClr>
+          </a:lnRef>
+          <a:fillRef idx="1">
+            <a:schemeClr val="accent1"/>
+          </a:fillRef>
+          <a:effectRef idx="0">
+            <a:schemeClr val="accent1"/>
+          </a:effectRef>
+          <a:fontRef idx="minor">
+            <a:schemeClr val="lt1"/>
+          </a:fontRef>
+        </p:style>
+        <p:txBody>
+          <a:bodyPr rtlCol="1" anchor="ctr"/>
+          <a:lstStyle/>
+          <a:p>
+            <a:pPr algn="ctr"/>
+            <a:r>
+              <a:rPr lang="en-US" b="1" dirty="0" smtClean="0">
+                <a:solidFill>
+                  <a:schemeClr val="tx1"/>
+                </a:solidFill>
+                <a:latin typeface="Arial Narrow" panose="020B0606020202030204" pitchFamily="34" charset="0"/>
+              </a:rPr>
+              <a:t>(iv) Propeller damage bad</a:t>
+            </a:r>
+            <a:endParaRPr lang="ur-PK" b="1" dirty="0">
+              <a:solidFill>
+                <a:schemeClr val="tx1"/>
+              </a:solidFill>
+              <a:latin typeface="Arial Narrow" panose="020B0606020202030204" pitchFamily="34" charset="0"/>
+            </a:endParaRPr>
+          </a:p>
+        </p:txBody>
+      </p:sp>
+      <p:sp>
+        <p:nvSpPr>
+          <p:cNvPr id="14" name="Rectangle 13"/>
+          <p:cNvSpPr/>
+          <p:nvPr/>
+        </p:nvSpPr>
+        <p:spPr>
+          <a:xfrm rot="16200000">
+            <a:off x="6065797" y="4379017"/>
+            <a:ext cx="1549103" cy="526473"/>
+          </a:xfrm>
+          <a:prstGeom prst="rect">
+            <a:avLst/>
+          </a:prstGeom>
+          <a:noFill/>
+          <a:ln>
+            <a:noFill/>
+          </a:ln>
+        </p:spPr>
+        <p:style>
+          <a:lnRef idx="2">
+            <a:schemeClr val="accent1">
+              <a:shade val="50000"/>
+            </a:schemeClr>
+          </a:lnRef>
+          <a:fillRef idx="1">
+            <a:schemeClr val="accent1"/>
+          </a:fillRef>
+          <a:effectRef idx="0">
+            <a:schemeClr val="accent1"/>
+          </a:effectRef>
+          <a:fontRef idx="minor">
+            <a:schemeClr val="lt1"/>
+          </a:fontRef>
+        </p:style>
+        <p:txBody>
+          <a:bodyPr rtlCol="1" anchor="ctr"/>
+          <a:lstStyle/>
+          <a:p>
+            <a:pPr algn="ctr"/>
+            <a:r>
+              <a:rPr lang="en-US" b="1" dirty="0" smtClean="0">
+                <a:solidFill>
+                  <a:schemeClr val="tx1"/>
+                </a:solidFill>
+                <a:latin typeface="Arial Narrow" panose="020B0606020202030204" pitchFamily="34" charset="0"/>
+              </a:rPr>
+              <a:t>(v) Pressure gain constant</a:t>
+            </a:r>
+            <a:endParaRPr lang="ur-PK" b="1" dirty="0">
+              <a:solidFill>
+                <a:schemeClr val="tx1"/>
+              </a:solidFill>
+              <a:latin typeface="Arial Narrow" panose="020B0606020202030204" pitchFamily="34" charset="0"/>
+            </a:endParaRPr>
+          </a:p>
+        </p:txBody>
+      </p:sp>
+      <p:pic>
+        <p:nvPicPr>
+          <p:cNvPr id="15" name="Picture 14"/>
+          <p:cNvPicPr>
+            <a:picLocks noChangeAspect="1"/>
+          </p:cNvPicPr>
+          <p:nvPr/>
+        </p:nvPicPr>
+        <p:blipFill rotWithShape="1">
+          <a:blip r:embed="rId2">
+            <a:extLst>
+              <a:ext uri="{28A0092B-C50C-407E-A947-70E740481C1C}">
+                <a14:useLocalDpi xmlns:a14="http://schemas.microsoft.com/office/drawing/2010/main" val="0"/>
+              </a:ext>
+            </a:extLst>
+          </a:blip>
+          <a:srcRect l="17039" t="78350"/>
+          <a:stretch/>
+        </p:blipFill>
+        <p:spPr>
+          <a:xfrm>
+            <a:off x="3491474" y="2382981"/>
+            <a:ext cx="6350872" cy="1208807"/>
+          </a:xfrm>
+          <a:prstGeom prst="rect">
+            <a:avLst/>
+          </a:prstGeom>
+        </p:spPr>
+      </p:pic>
+      <p:pic>
+        <p:nvPicPr>
+          <p:cNvPr id="16" name="Picture 15"/>
+          <p:cNvPicPr>
+            <a:picLocks noChangeAspect="1"/>
+          </p:cNvPicPr>
+          <p:nvPr/>
+        </p:nvPicPr>
+        <p:blipFill rotWithShape="1">
+          <a:blip r:embed="rId2">
+            <a:extLst>
+              <a:ext uri="{28A0092B-C50C-407E-A947-70E740481C1C}">
+                <a14:useLocalDpi xmlns:a14="http://schemas.microsoft.com/office/drawing/2010/main" val="0"/>
+              </a:ext>
+            </a:extLst>
+          </a:blip>
+          <a:srcRect l="17039" t="93891"/>
+          <a:stretch/>
+        </p:blipFill>
+        <p:spPr>
+          <a:xfrm>
+            <a:off x="-189090" y="2075181"/>
+            <a:ext cx="6746906" cy="341112"/>
+          </a:xfrm>
+          <a:prstGeom prst="rect">
+            <a:avLst/>
+          </a:prstGeom>
+        </p:spPr>
+      </p:pic>
+      <p:pic>
+        <p:nvPicPr>
+          <p:cNvPr id="17" name="Picture 16"/>
+          <p:cNvPicPr>
+            <a:picLocks noChangeAspect="1"/>
+          </p:cNvPicPr>
+          <p:nvPr/>
+        </p:nvPicPr>
+        <p:blipFill rotWithShape="1">
+          <a:blip r:embed="rId2">
+            <a:extLst>
+              <a:ext uri="{28A0092B-C50C-407E-A947-70E740481C1C}">
+                <a14:useLocalDpi xmlns:a14="http://schemas.microsoft.com/office/drawing/2010/main" val="0"/>
+              </a:ext>
+            </a:extLst>
+          </a:blip>
+          <a:srcRect l="17039" t="93891"/>
+          <a:stretch/>
+        </p:blipFill>
+        <p:spPr>
+          <a:xfrm>
+            <a:off x="7192283" y="2041869"/>
+            <a:ext cx="6197823" cy="341112"/>
+          </a:xfrm>
+          <a:prstGeom prst="rect">
+            <a:avLst/>
+          </a:prstGeom>
+        </p:spPr>
+      </p:pic>
+      <p:pic>
+        <p:nvPicPr>
+          <p:cNvPr id="18" name="Picture 17"/>
+          <p:cNvPicPr>
+            <a:picLocks noChangeAspect="1"/>
+          </p:cNvPicPr>
+          <p:nvPr/>
+        </p:nvPicPr>
+        <p:blipFill rotWithShape="1">
+          <a:blip r:embed="rId2">
+            <a:extLst>
+              <a:ext uri="{28A0092B-C50C-407E-A947-70E740481C1C}">
+                <a14:useLocalDpi xmlns:a14="http://schemas.microsoft.com/office/drawing/2010/main" val="0"/>
+              </a:ext>
+            </a:extLst>
+          </a:blip>
+          <a:srcRect l="17039" t="93891"/>
+          <a:stretch/>
+        </p:blipFill>
+        <p:spPr>
+          <a:xfrm>
+            <a:off x="-240147" y="4860822"/>
+            <a:ext cx="6612667" cy="341112"/>
+          </a:xfrm>
+          <a:prstGeom prst="rect">
+            <a:avLst/>
+          </a:prstGeom>
+        </p:spPr>
+      </p:pic>
+      <p:pic>
+        <p:nvPicPr>
+          <p:cNvPr id="19" name="Picture 18"/>
+          <p:cNvPicPr>
+            <a:picLocks noChangeAspect="1"/>
+          </p:cNvPicPr>
+          <p:nvPr/>
+        </p:nvPicPr>
+        <p:blipFill rotWithShape="1">
+          <a:blip r:embed="rId2">
+            <a:extLst>
+              <a:ext uri="{28A0092B-C50C-407E-A947-70E740481C1C}">
+                <a14:useLocalDpi xmlns:a14="http://schemas.microsoft.com/office/drawing/2010/main" val="0"/>
+              </a:ext>
+            </a:extLst>
+          </a:blip>
+          <a:srcRect l="17039" t="93891"/>
+          <a:stretch/>
+        </p:blipFill>
+        <p:spPr>
+          <a:xfrm>
+            <a:off x="7262046" y="4841968"/>
+            <a:ext cx="6289351" cy="341112"/>
+          </a:xfrm>
+          <a:prstGeom prst="rect">
+            <a:avLst/>
+          </a:prstGeom>
+        </p:spPr>
+      </p:pic>
+    </p:spTree>
+    <p:extLst>
+      <p:ext uri="{BB962C8B-B14F-4D97-AF65-F5344CB8AC3E}">
+        <p14:creationId xmlns:p14="http://schemas.microsoft.com/office/powerpoint/2010/main" val="3625333714"/>
       </p:ext>
     </p:extLst>
   </p:cSld>

--- a/Figures/MELF-XFD-block.pptx
+++ b/Figures/MELF-XFD-block.pptx
@@ -2978,13 +2978,13 @@
         </p:nvSpPr>
         <p:spPr>
           <a:xfrm>
-            <a:off x="814711" y="573231"/>
-            <a:ext cx="4628572" cy="1745673"/>
+            <a:off x="405424" y="-1173786"/>
+            <a:ext cx="6982344" cy="2926184"/>
           </a:xfrm>
           <a:prstGeom prst="roundRect">
             <a:avLst/>
           </a:prstGeom>
-          <a:ln/>
+          <a:ln w="57150"/>
         </p:spPr>
         <p:style>
           <a:lnRef idx="1">
@@ -3009,7 +3009,7 @@
               <a:buAutoNum type="romanLcPeriod"/>
             </a:pPr>
             <a:r>
-              <a:rPr lang="en-US" sz="2400" dirty="0" smtClean="0">
+              <a:rPr lang="en-US" sz="3600" dirty="0" smtClean="0">
                 <a:solidFill>
                   <a:schemeClr val="tx1"/>
                 </a:solidFill>
@@ -3024,7 +3024,7 @@
               <a:buAutoNum type="romanLcPeriod"/>
             </a:pPr>
             <a:r>
-              <a:rPr lang="en-US" sz="2400" dirty="0" smtClean="0">
+              <a:rPr lang="en-US" sz="3600" dirty="0" smtClean="0">
                 <a:solidFill>
                   <a:schemeClr val="tx1"/>
                 </a:solidFill>
@@ -3039,7 +3039,7 @@
               <a:buAutoNum type="romanLcPeriod"/>
             </a:pPr>
             <a:r>
-              <a:rPr lang="en-US" sz="2400" dirty="0" smtClean="0">
+              <a:rPr lang="en-US" sz="3600" dirty="0" smtClean="0">
                 <a:solidFill>
                   <a:schemeClr val="tx1"/>
                 </a:solidFill>
@@ -3047,7 +3047,7 @@
               </a:rPr>
               <a:t>Discard timestamp if present</a:t>
             </a:r>
-            <a:endParaRPr lang="ur-PK" sz="2400" dirty="0">
+            <a:endParaRPr lang="ur-PK" sz="3600" dirty="0">
               <a:solidFill>
                 <a:schemeClr val="tx1"/>
               </a:solidFill>
@@ -3064,14 +3064,14 @@
         </p:nvSpPr>
         <p:spPr>
           <a:xfrm>
-            <a:off x="-1020979" y="658198"/>
+            <a:off x="-1206756" y="-1040576"/>
             <a:ext cx="1856510" cy="1006763"/>
           </a:xfrm>
           <a:prstGeom prst="rightArrow">
             <a:avLst/>
           </a:prstGeom>
           <a:noFill/>
-          <a:ln>
+          <a:ln w="57150">
             <a:noFill/>
           </a:ln>
         </p:spPr>
@@ -3097,7 +3097,7 @@
           <a:p>
             <a:pPr algn="ctr"/>
             <a:r>
-              <a:rPr lang="en-US" sz="2400" dirty="0" smtClean="0">
+              <a:rPr lang="en-US" sz="3600" dirty="0" smtClean="0">
                 <a:solidFill>
                   <a:schemeClr val="tx1"/>
                 </a:solidFill>
@@ -3105,7 +3105,7 @@
               </a:rPr>
               <a:t>Raw .csv file</a:t>
             </a:r>
-            <a:endParaRPr lang="ur-PK" sz="2400" dirty="0">
+            <a:endParaRPr lang="ur-PK" sz="3600" dirty="0">
               <a:solidFill>
                 <a:schemeClr val="tx1"/>
               </a:solidFill>
@@ -3122,14 +3122,14 @@
         </p:nvSpPr>
         <p:spPr>
           <a:xfrm>
-            <a:off x="814711" y="-228732"/>
-            <a:ext cx="4507345" cy="452581"/>
+            <a:off x="533802" y="-2138283"/>
+            <a:ext cx="6490889" cy="844348"/>
           </a:xfrm>
           <a:prstGeom prst="roundRect">
             <a:avLst/>
           </a:prstGeom>
           <a:noFill/>
-          <a:ln>
+          <a:ln w="57150">
             <a:noFill/>
           </a:ln>
         </p:spPr>
@@ -3155,7 +3155,7 @@
           <a:p>
             <a:pPr algn="ctr"/>
             <a:r>
-              <a:rPr lang="en-US" sz="3200" b="1" dirty="0" smtClean="0">
+              <a:rPr lang="en-US" sz="4400" b="1" dirty="0" smtClean="0">
                 <a:solidFill>
                   <a:schemeClr val="tx1"/>
                 </a:solidFill>
@@ -3163,7 +3163,7 @@
               </a:rPr>
               <a:t>CSV Loader &amp; Signal Parser</a:t>
             </a:r>
-            <a:endParaRPr lang="ur-PK" sz="3200" b="1" dirty="0">
+            <a:endParaRPr lang="ur-PK" sz="4400" b="1" dirty="0">
               <a:solidFill>
                 <a:schemeClr val="tx1"/>
               </a:solidFill>
@@ -3180,14 +3180,14 @@
         </p:nvSpPr>
         <p:spPr>
           <a:xfrm>
-            <a:off x="-7170334" y="-3250540"/>
-            <a:ext cx="5062928" cy="990389"/>
+            <a:off x="-8343779" y="-3250540"/>
+            <a:ext cx="7322800" cy="990389"/>
           </a:xfrm>
           <a:prstGeom prst="roundRect">
             <a:avLst/>
           </a:prstGeom>
           <a:noFill/>
-          <a:ln>
+          <a:ln w="57150">
             <a:noFill/>
           </a:ln>
         </p:spPr>
@@ -3213,7 +3213,7 @@
           <a:p>
             <a:pPr algn="ctr"/>
             <a:r>
-              <a:rPr lang="en-US" sz="3200" b="1" dirty="0" smtClean="0">
+              <a:rPr lang="en-US" sz="4400" b="1" dirty="0" smtClean="0">
                 <a:solidFill>
                   <a:schemeClr val="tx1"/>
                 </a:solidFill>
@@ -3221,7 +3221,7 @@
               </a:rPr>
               <a:t>AUV Fault Diagnosis Dataset</a:t>
             </a:r>
-            <a:endParaRPr lang="ur-PK" sz="3200" b="1" dirty="0">
+            <a:endParaRPr lang="ur-PK" sz="4400" b="1" dirty="0">
               <a:solidFill>
                 <a:schemeClr val="tx1"/>
               </a:solidFill>
@@ -3238,13 +3238,13 @@
         </p:nvSpPr>
         <p:spPr>
           <a:xfrm>
-            <a:off x="7126420" y="485484"/>
-            <a:ext cx="2484581" cy="1921164"/>
+            <a:off x="9377524" y="-1106080"/>
+            <a:ext cx="2884012" cy="3012858"/>
           </a:xfrm>
           <a:prstGeom prst="flowChartMultidocument">
             <a:avLst/>
           </a:prstGeom>
-          <a:ln/>
+          <a:ln w="57150"/>
         </p:spPr>
         <p:style>
           <a:lnRef idx="1">
@@ -3266,7 +3266,7 @@
           <a:p>
             <a:pPr algn="ctr"/>
             <a:r>
-              <a:rPr lang="en-US" sz="2400" dirty="0" smtClean="0">
+              <a:rPr lang="en-US" sz="3600" dirty="0" smtClean="0">
                 <a:solidFill>
                   <a:schemeClr val="tx1"/>
                 </a:solidFill>
@@ -3274,7 +3274,7 @@
               </a:rPr>
               <a:t>Fixed-Length Window Generator</a:t>
             </a:r>
-            <a:endParaRPr lang="ur-PK" sz="2400" dirty="0">
+            <a:endParaRPr lang="ur-PK" sz="3600" dirty="0">
               <a:solidFill>
                 <a:schemeClr val="tx1"/>
               </a:solidFill>
@@ -3291,14 +3291,14 @@
         </p:nvSpPr>
         <p:spPr>
           <a:xfrm>
-            <a:off x="7126420" y="-846980"/>
-            <a:ext cx="2921111" cy="900946"/>
+            <a:off x="7478063" y="-2432212"/>
+            <a:ext cx="5793793" cy="900946"/>
           </a:xfrm>
           <a:prstGeom prst="roundRect">
             <a:avLst/>
           </a:prstGeom>
           <a:noFill/>
-          <a:ln>
+          <a:ln w="57150">
             <a:noFill/>
           </a:ln>
         </p:spPr>
@@ -3324,7 +3324,7 @@
           <a:p>
             <a:pPr algn="ctr"/>
             <a:r>
-              <a:rPr lang="en-US" sz="3200" b="1" dirty="0" smtClean="0">
+              <a:rPr lang="en-US" sz="4400" b="1" dirty="0" smtClean="0">
                 <a:solidFill>
                   <a:schemeClr val="tx1"/>
                 </a:solidFill>
@@ -3332,7 +3332,7 @@
               </a:rPr>
               <a:t>Temporal Windowing (Preprocessing)</a:t>
             </a:r>
-            <a:endParaRPr lang="ur-PK" sz="3200" b="1" dirty="0">
+            <a:endParaRPr lang="ur-PK" sz="4400" b="1" dirty="0">
               <a:solidFill>
                 <a:schemeClr val="tx1"/>
               </a:solidFill>
@@ -3344,18 +3344,20 @@
       <p:cxnSp>
         <p:nvCxnSpPr>
           <p:cNvPr id="13" name="Straight Arrow Connector 12"/>
-          <p:cNvCxnSpPr/>
+          <p:cNvCxnSpPr>
+            <a:endCxn id="5" idx="1"/>
+          </p:cNvCxnSpPr>
           <p:nvPr/>
         </p:nvCxnSpPr>
         <p:spPr>
-          <a:xfrm>
-            <a:off x="-1094717" y="1412020"/>
-            <a:ext cx="1937327" cy="0"/>
+          <a:xfrm flipV="1">
+            <a:off x="-1206756" y="289306"/>
+            <a:ext cx="1612180" cy="8410"/>
           </a:xfrm>
           <a:prstGeom prst="straightConnector1">
             <a:avLst/>
           </a:prstGeom>
-          <a:ln>
+          <a:ln w="57150">
             <a:solidFill>
               <a:schemeClr val="tx1"/>
             </a:solidFill>
@@ -3380,21 +3382,18 @@
       <p:cxnSp>
         <p:nvCxnSpPr>
           <p:cNvPr id="15" name="Straight Arrow Connector 14"/>
-          <p:cNvCxnSpPr>
-            <a:stCxn id="5" idx="3"/>
-            <a:endCxn id="9" idx="1"/>
-          </p:cNvCxnSpPr>
+          <p:cNvCxnSpPr/>
           <p:nvPr/>
         </p:nvCxnSpPr>
         <p:spPr>
           <a:xfrm flipV="1">
-            <a:off x="5443283" y="1446066"/>
-            <a:ext cx="1683137" cy="2"/>
+            <a:off x="7399369" y="400349"/>
+            <a:ext cx="2088044" cy="29695"/>
           </a:xfrm>
           <a:prstGeom prst="straightConnector1">
             <a:avLst/>
           </a:prstGeom>
-          <a:ln>
+          <a:ln w="57150">
             <a:solidFill>
               <a:schemeClr val="tx1"/>
             </a:solidFill>
@@ -3424,13 +3423,13 @@
         </p:nvSpPr>
         <p:spPr>
           <a:xfrm>
-            <a:off x="5588897" y="908293"/>
-            <a:ext cx="1430200" cy="461665"/>
+            <a:off x="7381259" y="-917816"/>
+            <a:ext cx="2047355" cy="646331"/>
           </a:xfrm>
           <a:prstGeom prst="rect">
             <a:avLst/>
           </a:prstGeom>
-          <a:ln>
+          <a:ln w="57150">
             <a:noFill/>
           </a:ln>
         </p:spPr>
@@ -3441,12 +3440,12 @@
           <a:lstStyle/>
           <a:p>
             <a:r>
-              <a:rPr lang="en-US" sz="2400" dirty="0" smtClean="0">
+              <a:rPr lang="en-US" sz="3600" dirty="0" smtClean="0">
                 <a:latin typeface="Arial Narrow" panose="020B0606020202030204" pitchFamily="34" charset="0"/>
               </a:rPr>
               <a:t>X∈R^T×16</a:t>
             </a:r>
-            <a:endParaRPr lang="ur-PK" sz="2400" dirty="0">
+            <a:endParaRPr lang="ur-PK" sz="3600" dirty="0">
               <a:latin typeface="Arial Narrow" panose="020B0606020202030204" pitchFamily="34" charset="0"/>
             </a:endParaRPr>
           </a:p>
@@ -3460,13 +3459,13 @@
         </p:nvSpPr>
         <p:spPr>
           <a:xfrm>
-            <a:off x="11161237" y="437352"/>
-            <a:ext cx="3042745" cy="1833420"/>
+            <a:off x="13950689" y="-662903"/>
+            <a:ext cx="3967476" cy="1833420"/>
           </a:xfrm>
           <a:prstGeom prst="ellipse">
             <a:avLst/>
           </a:prstGeom>
-          <a:ln/>
+          <a:ln w="57150"/>
         </p:spPr>
         <p:style>
           <a:lnRef idx="1">
@@ -3488,7 +3487,7 @@
           <a:p>
             <a:pPr algn="ctr"/>
             <a:r>
-              <a:rPr lang="en-US" sz="2400" smtClean="0">
+              <a:rPr lang="en-US" sz="3600" dirty="0" smtClean="0">
                 <a:solidFill>
                   <a:schemeClr val="tx1"/>
                 </a:solidFill>
@@ -3496,7 +3495,7 @@
               </a:rPr>
               <a:t>Channel-wise Normalization</a:t>
             </a:r>
-            <a:endParaRPr lang="ur-PK" sz="2400">
+            <a:endParaRPr lang="ur-PK" sz="3600" dirty="0">
               <a:solidFill>
                 <a:schemeClr val="tx1"/>
               </a:solidFill>
@@ -3535,7 +3534,7 @@
               <a:gd name="adj" fmla="val 16667"/>
             </a:avLst>
           </a:prstGeom>
-          <a:ln>
+          <a:ln w="57150">
             <a:solidFill>
               <a:schemeClr val="tx1"/>
             </a:solidFill>
@@ -3569,14 +3568,14 @@
         </p:nvSpPr>
         <p:spPr>
           <a:xfrm>
-            <a:off x="11201036" y="-594269"/>
-            <a:ext cx="2921111" cy="900946"/>
+            <a:off x="13922923" y="-1962420"/>
+            <a:ext cx="3847040" cy="900946"/>
           </a:xfrm>
           <a:prstGeom prst="roundRect">
             <a:avLst/>
           </a:prstGeom>
           <a:noFill/>
-          <a:ln>
+          <a:ln w="57150">
             <a:noFill/>
           </a:ln>
         </p:spPr>
@@ -3602,7 +3601,7 @@
           <a:p>
             <a:pPr algn="ctr"/>
             <a:r>
-              <a:rPr lang="en-US" sz="3200" b="1" dirty="0" smtClean="0">
+              <a:rPr lang="en-US" sz="4400" b="1" dirty="0" smtClean="0">
                 <a:solidFill>
                   <a:schemeClr val="tx1"/>
                 </a:solidFill>
@@ -3610,7 +3609,7 @@
               </a:rPr>
               <a:t>Feature Normalization</a:t>
             </a:r>
-            <a:endParaRPr lang="ur-PK" sz="3200" b="1" dirty="0">
+            <a:endParaRPr lang="ur-PK" sz="4400" b="1" dirty="0">
               <a:solidFill>
                 <a:schemeClr val="tx1"/>
               </a:solidFill>
@@ -3629,13 +3628,13 @@
         </p:nvCxnSpPr>
         <p:spPr>
           <a:xfrm>
-            <a:off x="9611001" y="1446066"/>
-            <a:ext cx="1550236" cy="0"/>
+            <a:off x="12261536" y="400349"/>
+            <a:ext cx="1689153" cy="28900"/>
           </a:xfrm>
           <a:prstGeom prst="straightConnector1">
             <a:avLst/>
           </a:prstGeom>
-          <a:ln>
+          <a:ln w="57150">
             <a:solidFill>
               <a:schemeClr val="tx1"/>
             </a:solidFill>
@@ -3665,13 +3664,13 @@
         </p:nvSpPr>
         <p:spPr>
           <a:xfrm>
-            <a:off x="9645899" y="984730"/>
-            <a:ext cx="1544012" cy="461665"/>
+            <a:off x="12307885" y="853294"/>
+            <a:ext cx="2214068" cy="646331"/>
           </a:xfrm>
           <a:prstGeom prst="rect">
             <a:avLst/>
           </a:prstGeom>
-          <a:ln>
+          <a:ln w="57150">
             <a:noFill/>
           </a:ln>
         </p:spPr>
@@ -3682,12 +3681,12 @@
           <a:lstStyle/>
           <a:p>
             <a:r>
-              <a:rPr lang="en-US" sz="2400" dirty="0" smtClean="0">
+              <a:rPr lang="en-US" sz="3600" dirty="0" smtClean="0">
                 <a:latin typeface="Arial Narrow" panose="020B0606020202030204" pitchFamily="34" charset="0"/>
               </a:rPr>
               <a:t>Wi​∈R^L×16</a:t>
             </a:r>
-            <a:endParaRPr lang="ur-PK" sz="2400" dirty="0">
+            <a:endParaRPr lang="ur-PK" sz="3600" dirty="0">
               <a:latin typeface="Arial Narrow" panose="020B0606020202030204" pitchFamily="34" charset="0"/>
             </a:endParaRPr>
           </a:p>
@@ -3701,16 +3700,19 @@
         </p:nvSpPr>
         <p:spPr>
           <a:xfrm>
-            <a:off x="9724920" y="2869324"/>
-            <a:ext cx="4459827" cy="3988676"/>
+            <a:off x="13058271" y="2924267"/>
+            <a:ext cx="4639276" cy="3988676"/>
           </a:xfrm>
           <a:prstGeom prst="roundRect">
             <a:avLst/>
           </a:prstGeom>
           <a:solidFill>
-            <a:srgbClr val="6600FF"/>
+            <a:schemeClr val="accent5">
+              <a:lumMod val="20000"/>
+              <a:lumOff val="80000"/>
+            </a:schemeClr>
           </a:solidFill>
-          <a:ln>
+          <a:ln w="57150">
             <a:solidFill>
               <a:schemeClr val="tx1"/>
             </a:solidFill>
@@ -3737,7 +3739,7 @@
           <a:lstStyle/>
           <a:p>
             <a:pPr algn="ctr"/>
-            <a:endParaRPr lang="ur-PK" sz="2400">
+            <a:endParaRPr lang="ur-PK" sz="3600">
               <a:solidFill>
                 <a:schemeClr val="tx1"/>
               </a:solidFill>
@@ -3754,29 +3756,36 @@
         </p:nvSpPr>
         <p:spPr>
           <a:xfrm rot="5400000">
-            <a:off x="7076689" y="4751847"/>
-            <a:ext cx="4821448" cy="523220"/>
+            <a:off x="10175270" y="4378825"/>
+            <a:ext cx="4496885" cy="1323439"/>
           </a:xfrm>
           <a:prstGeom prst="rect">
             <a:avLst/>
           </a:prstGeom>
-          <a:ln>
+          <a:ln w="57150">
             <a:noFill/>
           </a:ln>
         </p:spPr>
         <p:txBody>
-          <a:bodyPr wrap="none">
+          <a:bodyPr wrap="square">
             <a:spAutoFit/>
           </a:bodyPr>
           <a:lstStyle/>
           <a:p>
-            <a:r>
-              <a:rPr lang="en-US" sz="2800" b="1" dirty="0" smtClean="0">
+            <a:pPr algn="ctr"/>
+            <a:r>
+              <a:rPr lang="en-US" sz="4000" b="1" dirty="0" smtClean="0">
+                <a:solidFill>
+                  <a:srgbClr val="0000FF"/>
+                </a:solidFill>
                 <a:latin typeface="Arial Narrow" panose="020B0606020202030204" pitchFamily="34" charset="0"/>
               </a:rPr>
               <a:t>Temporal Dynamics Expert (TED)</a:t>
             </a:r>
-            <a:endParaRPr lang="ur-PK" sz="2800" b="1" dirty="0">
+            <a:endParaRPr lang="ur-PK" sz="4000" b="1" dirty="0">
+              <a:solidFill>
+                <a:srgbClr val="0000FF"/>
+              </a:solidFill>
               <a:latin typeface="Arial Narrow" panose="020B0606020202030204" pitchFamily="34" charset="0"/>
             </a:endParaRPr>
           </a:p>
@@ -3790,19 +3799,16 @@
         </p:nvSpPr>
         <p:spPr>
           <a:xfrm>
-            <a:off x="10774012" y="3105847"/>
+            <a:off x="14211029" y="3080048"/>
             <a:ext cx="2257352" cy="599089"/>
           </a:xfrm>
           <a:prstGeom prst="roundRect">
             <a:avLst/>
           </a:prstGeom>
           <a:solidFill>
-            <a:schemeClr val="accent1">
-              <a:lumMod val="20000"/>
-              <a:lumOff val="80000"/>
-            </a:schemeClr>
+            <a:srgbClr val="CCECFF"/>
           </a:solidFill>
-          <a:ln>
+          <a:ln w="57150">
             <a:solidFill>
               <a:schemeClr val="tx1"/>
             </a:solidFill>
@@ -3830,7 +3836,7 @@
           <a:p>
             <a:pPr algn="ctr"/>
             <a:r>
-              <a:rPr lang="en-US" sz="2400" dirty="0" smtClean="0">
+              <a:rPr lang="en-US" sz="3600" dirty="0" smtClean="0">
                 <a:solidFill>
                   <a:schemeClr val="tx1"/>
                 </a:solidFill>
@@ -3838,7 +3844,7 @@
               </a:rPr>
               <a:t>Conv1D </a:t>
             </a:r>
-            <a:endParaRPr lang="ur-PK" sz="2400" dirty="0">
+            <a:endParaRPr lang="ur-PK" sz="3600" dirty="0">
               <a:solidFill>
                 <a:schemeClr val="tx1"/>
               </a:solidFill>
@@ -3855,16 +3861,16 @@
         </p:nvSpPr>
         <p:spPr>
           <a:xfrm>
-            <a:off x="10774012" y="4015823"/>
-            <a:ext cx="2257352" cy="599089"/>
+            <a:off x="13700015" y="3985160"/>
+            <a:ext cx="3245018" cy="664147"/>
           </a:xfrm>
           <a:prstGeom prst="roundRect">
             <a:avLst/>
           </a:prstGeom>
           <a:solidFill>
-            <a:schemeClr val="accent1"/>
+            <a:srgbClr val="CCECFF"/>
           </a:solidFill>
-          <a:ln>
+          <a:ln w="57150">
             <a:solidFill>
               <a:schemeClr val="tx1"/>
             </a:solidFill>
@@ -3892,7 +3898,7 @@
           <a:p>
             <a:pPr algn="ctr"/>
             <a:r>
-              <a:rPr lang="en-US" sz="2400" dirty="0" smtClean="0">
+              <a:rPr lang="en-US" sz="3600" dirty="0" smtClean="0">
                 <a:solidFill>
                   <a:schemeClr val="tx1"/>
                 </a:solidFill>
@@ -3911,19 +3917,16 @@
         </p:nvSpPr>
         <p:spPr>
           <a:xfrm>
-            <a:off x="10581784" y="4977215"/>
-            <a:ext cx="2741515" cy="585713"/>
+            <a:off x="13364221" y="4976724"/>
+            <a:ext cx="3751447" cy="650744"/>
           </a:xfrm>
           <a:prstGeom prst="roundRect">
             <a:avLst/>
           </a:prstGeom>
           <a:solidFill>
-            <a:schemeClr val="accent1">
-              <a:lumMod val="60000"/>
-              <a:lumOff val="40000"/>
-            </a:schemeClr>
+            <a:srgbClr val="CCECFF"/>
           </a:solidFill>
-          <a:ln>
+          <a:ln w="57150">
             <a:solidFill>
               <a:schemeClr val="tx1"/>
             </a:solidFill>
@@ -3951,7 +3954,7 @@
           <a:p>
             <a:pPr algn="ctr"/>
             <a:r>
-              <a:rPr lang="en-US" sz="2400" dirty="0" smtClean="0">
+              <a:rPr lang="en-US" sz="3600" dirty="0" smtClean="0">
                 <a:solidFill>
                   <a:schemeClr val="tx1"/>
                 </a:solidFill>
@@ -3959,7 +3962,7 @@
               </a:rPr>
               <a:t>Nonlinear activation</a:t>
             </a:r>
-            <a:endParaRPr lang="ur-PK" sz="2400" dirty="0">
+            <a:endParaRPr lang="ur-PK" sz="3600" dirty="0">
               <a:solidFill>
                 <a:schemeClr val="tx1"/>
               </a:solidFill>
@@ -3976,18 +3979,16 @@
         </p:nvSpPr>
         <p:spPr>
           <a:xfrm>
-            <a:off x="10730752" y="5860173"/>
-            <a:ext cx="2257352" cy="599089"/>
+            <a:off x="13714188" y="5878850"/>
+            <a:ext cx="3288278" cy="700982"/>
           </a:xfrm>
           <a:prstGeom prst="roundRect">
             <a:avLst/>
           </a:prstGeom>
           <a:solidFill>
-            <a:schemeClr val="accent1">
-              <a:lumMod val="75000"/>
-            </a:schemeClr>
+            <a:srgbClr val="CCECFF"/>
           </a:solidFill>
-          <a:ln>
+          <a:ln w="57150">
             <a:solidFill>
               <a:schemeClr val="tx1"/>
             </a:solidFill>
@@ -4015,7 +4016,7 @@
           <a:p>
             <a:pPr algn="ctr"/>
             <a:r>
-              <a:rPr lang="en-US" sz="2400" dirty="0" smtClean="0">
+              <a:rPr lang="en-US" sz="3600" dirty="0" smtClean="0">
                 <a:solidFill>
                   <a:schemeClr val="tx1"/>
                 </a:solidFill>
@@ -4023,7 +4024,7 @@
               </a:rPr>
               <a:t>Temporal pooling</a:t>
             </a:r>
-            <a:endParaRPr lang="ur-PK" sz="2400" dirty="0">
+            <a:endParaRPr lang="ur-PK" sz="3600" dirty="0">
               <a:solidFill>
                 <a:schemeClr val="tx1"/>
               </a:solidFill>
@@ -4043,15 +4044,15 @@
         </p:nvCxnSpPr>
         <p:spPr>
           <a:xfrm flipH="1">
-            <a:off x="14184747" y="1354062"/>
-            <a:ext cx="19235" cy="3509600"/>
+            <a:off x="17697547" y="253807"/>
+            <a:ext cx="220618" cy="4664798"/>
           </a:xfrm>
           <a:prstGeom prst="bentConnector3">
             <a:avLst>
-              <a:gd name="adj1" fmla="val -1188459"/>
+              <a:gd name="adj1" fmla="val -103618"/>
             </a:avLst>
           </a:prstGeom>
-          <a:ln>
+          <a:ln w="57150">
             <a:solidFill>
               <a:schemeClr val="tx1"/>
             </a:solidFill>
@@ -4081,13 +4082,13 @@
         </p:nvSpPr>
         <p:spPr>
           <a:xfrm rot="5400000">
-            <a:off x="13966529" y="1804153"/>
-            <a:ext cx="1516762" cy="461665"/>
+            <a:off x="17482377" y="1090192"/>
+            <a:ext cx="2173993" cy="646331"/>
           </a:xfrm>
           <a:prstGeom prst="rect">
             <a:avLst/>
           </a:prstGeom>
-          <a:ln>
+          <a:ln w="57150">
             <a:noFill/>
           </a:ln>
         </p:spPr>
@@ -4098,12 +4099,12 @@
           <a:lstStyle/>
           <a:p>
             <a:r>
-              <a:rPr lang="en-US" sz="2400" dirty="0" smtClean="0">
+              <a:rPr lang="en-US" sz="3600" dirty="0" smtClean="0">
                 <a:latin typeface="Arial Narrow" panose="020B0606020202030204" pitchFamily="34" charset="0"/>
               </a:rPr>
               <a:t>W~∈RL×16</a:t>
             </a:r>
-            <a:endParaRPr lang="ur-PK" sz="2400" dirty="0">
+            <a:endParaRPr lang="ur-PK" sz="3600" dirty="0">
               <a:latin typeface="Arial Narrow" panose="020B0606020202030204" pitchFamily="34" charset="0"/>
             </a:endParaRPr>
           </a:p>
@@ -4117,16 +4118,19 @@
         </p:nvSpPr>
         <p:spPr>
           <a:xfrm>
-            <a:off x="4693489" y="2869324"/>
-            <a:ext cx="4459827" cy="3988676"/>
+            <a:off x="5764271" y="2792102"/>
+            <a:ext cx="5924369" cy="4402448"/>
           </a:xfrm>
           <a:prstGeom prst="roundRect">
             <a:avLst/>
           </a:prstGeom>
           <a:solidFill>
-            <a:srgbClr val="00CC99"/>
+            <a:schemeClr val="accent5">
+              <a:lumMod val="40000"/>
+              <a:lumOff val="60000"/>
+            </a:schemeClr>
           </a:solidFill>
-          <a:ln>
+          <a:ln w="57150">
             <a:solidFill>
               <a:schemeClr val="tx1"/>
             </a:solidFill>
@@ -4153,7 +4157,7 @@
           <a:lstStyle/>
           <a:p>
             <a:pPr algn="ctr"/>
-            <a:endParaRPr lang="ur-PK" sz="2400">
+            <a:endParaRPr lang="ur-PK" sz="3600">
               <a:solidFill>
                 <a:schemeClr val="tx1"/>
               </a:solidFill>
@@ -4170,29 +4174,35 @@
         </p:nvSpPr>
         <p:spPr>
           <a:xfrm rot="5400000">
-            <a:off x="2117797" y="4711911"/>
-            <a:ext cx="4695516" cy="523220"/>
+            <a:off x="2691966" y="5002392"/>
+            <a:ext cx="4884347" cy="1323439"/>
           </a:xfrm>
           <a:prstGeom prst="rect">
             <a:avLst/>
           </a:prstGeom>
-          <a:ln>
+          <a:ln w="57150">
             <a:noFill/>
           </a:ln>
         </p:spPr>
         <p:txBody>
-          <a:bodyPr wrap="none">
+          <a:bodyPr wrap="square">
             <a:spAutoFit/>
           </a:bodyPr>
           <a:lstStyle/>
           <a:p>
             <a:r>
-              <a:rPr lang="en-US" sz="2800" b="1" dirty="0" smtClean="0">
+              <a:rPr lang="en-US" sz="4000" b="1" dirty="0" smtClean="0">
+                <a:solidFill>
+                  <a:srgbClr val="0000FF"/>
+                </a:solidFill>
                 <a:latin typeface="Arial Narrow" panose="020B0606020202030204" pitchFamily="34" charset="0"/>
               </a:rPr>
               <a:t>Frequency Domain Expert (FDE)</a:t>
             </a:r>
-            <a:endParaRPr lang="ur-PK" sz="2800" b="1" dirty="0">
+            <a:endParaRPr lang="ur-PK" sz="4000" b="1" dirty="0">
+              <a:solidFill>
+                <a:srgbClr val="0000FF"/>
+              </a:solidFill>
               <a:latin typeface="Arial Narrow" panose="020B0606020202030204" pitchFamily="34" charset="0"/>
             </a:endParaRPr>
           </a:p>
@@ -4206,19 +4216,19 @@
         </p:nvSpPr>
         <p:spPr>
           <a:xfrm>
-            <a:off x="4878660" y="3113157"/>
-            <a:ext cx="3981304" cy="728013"/>
+            <a:off x="6207646" y="2925031"/>
+            <a:ext cx="5037618" cy="1125865"/>
           </a:xfrm>
           <a:prstGeom prst="roundRect">
             <a:avLst/>
           </a:prstGeom>
           <a:solidFill>
-            <a:schemeClr val="accent2">
-              <a:lumMod val="20000"/>
-              <a:lumOff val="80000"/>
+            <a:schemeClr val="accent4">
+              <a:lumMod val="40000"/>
+              <a:lumOff val="60000"/>
             </a:schemeClr>
           </a:solidFill>
-          <a:ln>
+          <a:ln w="57150">
             <a:solidFill>
               <a:schemeClr val="tx1"/>
             </a:solidFill>
@@ -4246,7 +4256,7 @@
           <a:p>
             <a:pPr algn="ctr"/>
             <a:r>
-              <a:rPr lang="en-US" sz="2400" dirty="0" smtClean="0">
+              <a:rPr lang="en-US" sz="3600" dirty="0" smtClean="0">
                 <a:solidFill>
                   <a:schemeClr val="tx1"/>
                 </a:solidFill>
@@ -4258,7 +4268,7 @@
           <a:p>
             <a:pPr algn="ctr"/>
             <a:r>
-              <a:rPr lang="en-US" sz="2400" dirty="0" smtClean="0">
+              <a:rPr lang="en-US" sz="3600" dirty="0" smtClean="0">
                 <a:solidFill>
                   <a:schemeClr val="tx1"/>
                 </a:solidFill>
@@ -4266,7 +4276,7 @@
               </a:rPr>
               <a:t>(per channel)</a:t>
             </a:r>
-            <a:endParaRPr lang="ur-PK" sz="2400" dirty="0">
+            <a:endParaRPr lang="ur-PK" sz="3600" dirty="0">
               <a:solidFill>
                 <a:schemeClr val="tx1"/>
               </a:solidFill>
@@ -4283,19 +4293,19 @@
         </p:nvSpPr>
         <p:spPr>
           <a:xfrm>
-            <a:off x="5139320" y="4165842"/>
-            <a:ext cx="3507706" cy="575059"/>
+            <a:off x="6595228" y="4188528"/>
+            <a:ext cx="3988791" cy="692501"/>
           </a:xfrm>
           <a:prstGeom prst="roundRect">
             <a:avLst/>
           </a:prstGeom>
           <a:solidFill>
-            <a:schemeClr val="accent2">
+            <a:schemeClr val="accent4">
               <a:lumMod val="40000"/>
               <a:lumOff val="60000"/>
             </a:schemeClr>
           </a:solidFill>
-          <a:ln>
+          <a:ln w="57150">
             <a:solidFill>
               <a:schemeClr val="tx1"/>
             </a:solidFill>
@@ -4323,7 +4333,7 @@
           <a:p>
             <a:pPr algn="ctr"/>
             <a:r>
-              <a:rPr lang="en-US" sz="2400" dirty="0" smtClean="0">
+              <a:rPr lang="en-US" sz="3600" dirty="0" smtClean="0">
                 <a:solidFill>
                   <a:schemeClr val="tx1"/>
                 </a:solidFill>
@@ -4342,18 +4352,19 @@
         </p:nvSpPr>
         <p:spPr>
           <a:xfrm>
-            <a:off x="5142952" y="5000827"/>
-            <a:ext cx="3428585" cy="789614"/>
+            <a:off x="6457655" y="5001178"/>
+            <a:ext cx="4496502" cy="1062320"/>
           </a:xfrm>
           <a:prstGeom prst="roundRect">
             <a:avLst/>
           </a:prstGeom>
           <a:solidFill>
-            <a:schemeClr val="accent2">
-              <a:lumMod val="75000"/>
+            <a:schemeClr val="accent4">
+              <a:lumMod val="40000"/>
+              <a:lumOff val="60000"/>
             </a:schemeClr>
           </a:solidFill>
-          <a:ln>
+          <a:ln w="57150">
             <a:solidFill>
               <a:schemeClr val="tx1"/>
             </a:solidFill>
@@ -4381,7 +4392,7 @@
           <a:p>
             <a:pPr algn="ctr"/>
             <a:r>
-              <a:rPr lang="en-US" sz="2400" dirty="0" smtClean="0">
+              <a:rPr lang="en-US" sz="3600" dirty="0" smtClean="0">
                 <a:solidFill>
                   <a:schemeClr val="tx1"/>
                 </a:solidFill>
@@ -4393,7 +4404,7 @@
           <a:p>
             <a:pPr algn="ctr"/>
             <a:r>
-              <a:rPr lang="en-US" sz="2400" dirty="0" smtClean="0">
+              <a:rPr lang="en-US" sz="3600" dirty="0" smtClean="0">
                 <a:solidFill>
                   <a:schemeClr val="tx1"/>
                 </a:solidFill>
@@ -4402,7 +4413,7 @@
               <a:t>(dense or </a:t>
             </a:r>
             <a:r>
-              <a:rPr lang="en-US" sz="2400" dirty="0" err="1" smtClean="0">
+              <a:rPr lang="en-US" sz="3600" dirty="0" err="1" smtClean="0">
                 <a:solidFill>
                   <a:schemeClr val="tx1"/>
                 </a:solidFill>
@@ -4411,7 +4422,7 @@
               <a:t>conv</a:t>
             </a:r>
             <a:r>
-              <a:rPr lang="en-US" sz="2400" dirty="0" smtClean="0">
+              <a:rPr lang="en-US" sz="3600" dirty="0" smtClean="0">
                 <a:solidFill>
                   <a:schemeClr val="tx1"/>
                 </a:solidFill>
@@ -4419,7 +4430,7 @@
               </a:rPr>
               <a:t>)</a:t>
             </a:r>
-            <a:endParaRPr lang="ur-PK" sz="2400" dirty="0">
+            <a:endParaRPr lang="ur-PK" sz="3600" dirty="0">
               <a:solidFill>
                 <a:schemeClr val="tx1"/>
               </a:solidFill>
@@ -4436,16 +4447,19 @@
         </p:nvSpPr>
         <p:spPr>
           <a:xfrm>
-            <a:off x="-337942" y="2869324"/>
-            <a:ext cx="4459827" cy="3988676"/>
+            <a:off x="-963202" y="2866273"/>
+            <a:ext cx="5467211" cy="4252351"/>
           </a:xfrm>
           <a:prstGeom prst="roundRect">
             <a:avLst/>
           </a:prstGeom>
           <a:solidFill>
-            <a:srgbClr val="FF9900"/>
+            <a:schemeClr val="accent5">
+              <a:lumMod val="60000"/>
+              <a:lumOff val="40000"/>
+            </a:schemeClr>
           </a:solidFill>
-          <a:ln>
+          <a:ln w="57150">
             <a:solidFill>
               <a:schemeClr val="tx1"/>
             </a:solidFill>
@@ -4472,7 +4486,7 @@
           <a:lstStyle/>
           <a:p>
             <a:pPr algn="ctr"/>
-            <a:endParaRPr lang="ur-PK" sz="2400">
+            <a:endParaRPr lang="ur-PK" sz="3600">
               <a:solidFill>
                 <a:schemeClr val="tx1"/>
               </a:solidFill>
@@ -4489,29 +4503,36 @@
         </p:nvSpPr>
         <p:spPr>
           <a:xfrm rot="5400000">
-            <a:off x="-3009047" y="4751847"/>
-            <a:ext cx="4796506" cy="523220"/>
+            <a:off x="-3949111" y="4312531"/>
+            <a:ext cx="4465018" cy="1323439"/>
           </a:xfrm>
           <a:prstGeom prst="rect">
             <a:avLst/>
           </a:prstGeom>
-          <a:ln>
+          <a:ln w="57150">
             <a:noFill/>
           </a:ln>
         </p:spPr>
         <p:txBody>
-          <a:bodyPr wrap="none">
+          <a:bodyPr wrap="square">
             <a:spAutoFit/>
           </a:bodyPr>
           <a:lstStyle/>
           <a:p>
-            <a:r>
-              <a:rPr lang="en-US" sz="2800" b="1" dirty="0" smtClean="0">
+            <a:pPr algn="ctr"/>
+            <a:r>
+              <a:rPr lang="en-US" sz="4000" b="1" dirty="0" smtClean="0">
+                <a:solidFill>
+                  <a:srgbClr val="0000FF"/>
+                </a:solidFill>
                 <a:latin typeface="Arial Narrow" panose="020B0606020202030204" pitchFamily="34" charset="0"/>
               </a:rPr>
               <a:t>Statistical Behavior Expert (SBE)</a:t>
             </a:r>
-            <a:endParaRPr lang="ur-PK" sz="2800" b="1" dirty="0">
+            <a:endParaRPr lang="ur-PK" sz="4000" b="1" dirty="0">
+              <a:solidFill>
+                <a:srgbClr val="0000FF"/>
+              </a:solidFill>
               <a:latin typeface="Arial Narrow" panose="020B0606020202030204" pitchFamily="34" charset="0"/>
             </a:endParaRPr>
           </a:p>
@@ -4525,19 +4546,19 @@
         </p:nvSpPr>
         <p:spPr>
           <a:xfrm>
-            <a:off x="711150" y="3105847"/>
-            <a:ext cx="2257352" cy="599089"/>
+            <a:off x="19846" y="3131928"/>
+            <a:ext cx="3457986" cy="599089"/>
           </a:xfrm>
           <a:prstGeom prst="roundRect">
             <a:avLst/>
           </a:prstGeom>
           <a:solidFill>
-            <a:schemeClr val="accent4">
+            <a:schemeClr val="accent2">
               <a:lumMod val="20000"/>
               <a:lumOff val="80000"/>
             </a:schemeClr>
           </a:solidFill>
-          <a:ln>
+          <a:ln w="57150">
             <a:solidFill>
               <a:schemeClr val="tx1"/>
             </a:solidFill>
@@ -4565,7 +4586,7 @@
           <a:p>
             <a:pPr algn="ctr"/>
             <a:r>
-              <a:rPr lang="en-US" sz="2400" dirty="0" smtClean="0">
+              <a:rPr lang="en-US" sz="3600" dirty="0" smtClean="0">
                 <a:solidFill>
                   <a:schemeClr val="tx1"/>
                 </a:solidFill>
@@ -4573,7 +4594,7 @@
               </a:rPr>
               <a:t>Global Pooling</a:t>
             </a:r>
-            <a:endParaRPr lang="ur-PK" sz="2400" dirty="0">
+            <a:endParaRPr lang="ur-PK" sz="3600" dirty="0">
               <a:solidFill>
                 <a:schemeClr val="tx1"/>
               </a:solidFill>
@@ -4590,19 +4611,19 @@
         </p:nvSpPr>
         <p:spPr>
           <a:xfrm>
-            <a:off x="514399" y="3890171"/>
-            <a:ext cx="2744358" cy="1740853"/>
+            <a:off x="-764466" y="3865438"/>
+            <a:ext cx="4961928" cy="2198116"/>
           </a:xfrm>
           <a:prstGeom prst="roundRect">
             <a:avLst/>
           </a:prstGeom>
           <a:solidFill>
-            <a:schemeClr val="accent4">
-              <a:lumMod val="60000"/>
-              <a:lumOff val="40000"/>
+            <a:schemeClr val="accent2">
+              <a:lumMod val="20000"/>
+              <a:lumOff val="80000"/>
             </a:schemeClr>
           </a:solidFill>
-          <a:ln>
+          <a:ln w="57150">
             <a:solidFill>
               <a:schemeClr val="tx1"/>
             </a:solidFill>
@@ -4630,7 +4651,7 @@
           <a:p>
             <a:pPr algn="ctr"/>
             <a:r>
-              <a:rPr lang="en-US" sz="2400" dirty="0" smtClean="0">
+              <a:rPr lang="en-US" sz="3600" dirty="0" smtClean="0">
                 <a:solidFill>
                   <a:schemeClr val="tx1"/>
                 </a:solidFill>
@@ -4642,7 +4663,7 @@
           <a:p>
             <a:pPr algn="ctr"/>
             <a:r>
-              <a:rPr lang="en-US" sz="2400" dirty="0" smtClean="0">
+              <a:rPr lang="en-US" sz="3600" dirty="0" smtClean="0">
                 <a:solidFill>
                   <a:schemeClr val="tx1"/>
                 </a:solidFill>
@@ -4651,7 +4672,7 @@
               <a:t>(</a:t>
             </a:r>
             <a:r>
-              <a:rPr lang="en-US" sz="2400" dirty="0" err="1" smtClean="0">
+              <a:rPr lang="en-US" sz="3600" dirty="0" err="1" smtClean="0">
                 <a:solidFill>
                   <a:schemeClr val="tx1"/>
                 </a:solidFill>
@@ -4660,7 +4681,7 @@
               <a:t>i</a:t>
             </a:r>
             <a:r>
-              <a:rPr lang="en-US" sz="2400" dirty="0" smtClean="0">
+              <a:rPr lang="en-US" sz="3600" dirty="0" smtClean="0">
                 <a:solidFill>
                   <a:schemeClr val="tx1"/>
                 </a:solidFill>
@@ -4672,7 +4693,7 @@
           <a:p>
             <a:pPr algn="ctr"/>
             <a:r>
-              <a:rPr lang="en-US" sz="2400" dirty="0" smtClean="0">
+              <a:rPr lang="en-US" sz="3600" dirty="0" smtClean="0">
                 <a:solidFill>
                   <a:schemeClr val="tx1"/>
                 </a:solidFill>
@@ -4684,7 +4705,7 @@
           <a:p>
             <a:pPr algn="ctr"/>
             <a:r>
-              <a:rPr lang="en-US" sz="2400" dirty="0" smtClean="0">
+              <a:rPr lang="en-US" sz="3600" dirty="0" smtClean="0">
                 <a:solidFill>
                   <a:schemeClr val="tx1"/>
                 </a:solidFill>
@@ -4703,18 +4724,19 @@
         </p:nvSpPr>
         <p:spPr>
           <a:xfrm>
-            <a:off x="739195" y="5828101"/>
-            <a:ext cx="2257352" cy="599089"/>
+            <a:off x="-295279" y="6230175"/>
+            <a:ext cx="3584686" cy="599089"/>
           </a:xfrm>
           <a:prstGeom prst="roundRect">
             <a:avLst/>
           </a:prstGeom>
           <a:solidFill>
-            <a:schemeClr val="accent4">
-              <a:lumMod val="75000"/>
+            <a:schemeClr val="accent2">
+              <a:lumMod val="20000"/>
+              <a:lumOff val="80000"/>
             </a:schemeClr>
           </a:solidFill>
-          <a:ln>
+          <a:ln w="57150">
             <a:solidFill>
               <a:schemeClr val="tx1"/>
             </a:solidFill>
@@ -4742,7 +4764,7 @@
           <a:p>
             <a:pPr algn="ctr"/>
             <a:r>
-              <a:rPr lang="en-US" sz="2400" dirty="0">
+              <a:rPr lang="en-US" sz="3600" dirty="0">
                 <a:solidFill>
                   <a:schemeClr val="tx1"/>
                 </a:solidFill>
@@ -4751,7 +4773,7 @@
               <a:t>C</a:t>
             </a:r>
             <a:r>
-              <a:rPr lang="en-US" sz="2400" dirty="0" smtClean="0">
+              <a:rPr lang="en-US" sz="3600" dirty="0" smtClean="0">
                 <a:solidFill>
                   <a:schemeClr val="tx1"/>
                 </a:solidFill>
@@ -4759,7 +4781,7 @@
               </a:rPr>
               <a:t>oncatenation</a:t>
             </a:r>
-            <a:endParaRPr lang="ur-PK" sz="2400" dirty="0">
+            <a:endParaRPr lang="ur-PK" sz="3600" dirty="0">
               <a:solidFill>
                 <a:schemeClr val="tx1"/>
               </a:solidFill>
@@ -4779,15 +4801,15 @@
         </p:nvCxnSpPr>
         <p:spPr>
           <a:xfrm rot="5400000">
-            <a:off x="9503731" y="-309555"/>
-            <a:ext cx="598552" cy="5759207"/>
+            <a:off x="11519650" y="-1622676"/>
+            <a:ext cx="1621585" cy="7207971"/>
           </a:xfrm>
           <a:prstGeom prst="bentConnector3">
             <a:avLst>
               <a:gd name="adj1" fmla="val 50000"/>
             </a:avLst>
           </a:prstGeom>
-          <a:ln>
+          <a:ln w="57150">
             <a:solidFill>
               <a:schemeClr val="tx1"/>
             </a:solidFill>
@@ -4820,15 +4842,15 @@
         </p:nvCxnSpPr>
         <p:spPr>
           <a:xfrm rot="5400000">
-            <a:off x="6315880" y="-2421633"/>
-            <a:ext cx="867050" cy="9714865"/>
+            <a:off x="7168931" y="-4496508"/>
+            <a:ext cx="1964254" cy="12761308"/>
           </a:xfrm>
           <a:prstGeom prst="bentConnector3">
             <a:avLst>
               <a:gd name="adj1" fmla="val 50000"/>
             </a:avLst>
           </a:prstGeom>
-          <a:ln>
+          <a:ln w="57150">
             <a:solidFill>
               <a:schemeClr val="tx1"/>
             </a:solidFill>
@@ -4858,13 +4880,13 @@
         </p:nvSpPr>
         <p:spPr>
           <a:xfrm>
-            <a:off x="9784608" y="2177189"/>
-            <a:ext cx="1516762" cy="461665"/>
+            <a:off x="15934773" y="1130017"/>
+            <a:ext cx="2173993" cy="646331"/>
           </a:xfrm>
           <a:prstGeom prst="rect">
             <a:avLst/>
           </a:prstGeom>
-          <a:ln>
+          <a:ln w="57150">
             <a:noFill/>
           </a:ln>
         </p:spPr>
@@ -4875,12 +4897,12 @@
           <a:lstStyle/>
           <a:p>
             <a:r>
-              <a:rPr lang="en-US" sz="2400" dirty="0" smtClean="0">
+              <a:rPr lang="en-US" sz="3600" dirty="0" smtClean="0">
                 <a:latin typeface="Arial Narrow" panose="020B0606020202030204" pitchFamily="34" charset="0"/>
               </a:rPr>
               <a:t>W~∈RL×16</a:t>
             </a:r>
-            <a:endParaRPr lang="ur-PK" sz="2400" dirty="0">
+            <a:endParaRPr lang="ur-PK" sz="3600" dirty="0">
               <a:latin typeface="Arial Narrow" panose="020B0606020202030204" pitchFamily="34" charset="0"/>
             </a:endParaRPr>
           </a:p>
@@ -4888,62 +4910,25 @@
       </p:sp>
       <p:sp>
         <p:nvSpPr>
-          <p:cNvPr id="59" name="Rectangle 58"/>
-          <p:cNvSpPr/>
-          <p:nvPr/>
-        </p:nvSpPr>
-        <p:spPr>
-          <a:xfrm>
-            <a:off x="12557287" y="2503770"/>
-            <a:ext cx="1516762" cy="461665"/>
-          </a:xfrm>
-          <a:prstGeom prst="rect">
-            <a:avLst/>
-          </a:prstGeom>
-          <a:noFill/>
-          <a:ln>
-            <a:noFill/>
-          </a:ln>
-        </p:spPr>
-        <p:txBody>
-          <a:bodyPr wrap="none">
-            <a:spAutoFit/>
-          </a:bodyPr>
-          <a:lstStyle/>
-          <a:p>
-            <a:r>
-              <a:rPr lang="en-US" sz="2400" dirty="0" smtClean="0">
-                <a:latin typeface="Arial Narrow" panose="020B0606020202030204" pitchFamily="34" charset="0"/>
-              </a:rPr>
-              <a:t>W~∈RL×16</a:t>
-            </a:r>
-            <a:endParaRPr lang="ur-PK" sz="2400" dirty="0">
-              <a:latin typeface="Arial Narrow" panose="020B0606020202030204" pitchFamily="34" charset="0"/>
-            </a:endParaRPr>
-          </a:p>
-        </p:txBody>
-      </p:sp>
-      <p:sp>
-        <p:nvSpPr>
           <p:cNvPr id="61" name="Rounded Rectangle 60"/>
           <p:cNvSpPr/>
           <p:nvPr/>
         </p:nvSpPr>
         <p:spPr>
           <a:xfrm>
-            <a:off x="5742581" y="6031556"/>
-            <a:ext cx="2257352" cy="599089"/>
+            <a:off x="6924784" y="6194672"/>
+            <a:ext cx="3394816" cy="849690"/>
           </a:xfrm>
           <a:prstGeom prst="roundRect">
             <a:avLst/>
           </a:prstGeom>
           <a:solidFill>
-            <a:schemeClr val="accent2">
-              <a:lumMod val="60000"/>
-              <a:lumOff val="40000"/>
+            <a:schemeClr val="accent4">
+              <a:lumMod val="40000"/>
+              <a:lumOff val="60000"/>
             </a:schemeClr>
           </a:solidFill>
-          <a:ln>
+          <a:ln w="57150">
             <a:solidFill>
               <a:schemeClr val="tx1"/>
             </a:solidFill>
@@ -4971,7 +4956,7 @@
           <a:p>
             <a:pPr algn="ctr"/>
             <a:r>
-              <a:rPr lang="en-US" sz="2400" dirty="0" smtClean="0">
+              <a:rPr lang="en-US" sz="3600" dirty="0" smtClean="0">
                 <a:solidFill>
                   <a:schemeClr val="tx1"/>
                 </a:solidFill>
@@ -4979,7 +4964,7 @@
               </a:rPr>
               <a:t>Feature Mapping</a:t>
             </a:r>
-            <a:endParaRPr lang="ur-PK" sz="2400" dirty="0">
+            <a:endParaRPr lang="ur-PK" sz="3600" dirty="0">
               <a:solidFill>
                 <a:schemeClr val="tx1"/>
               </a:solidFill>
@@ -4996,16 +4981,16 @@
         </p:nvSpPr>
         <p:spPr>
           <a:xfrm>
-            <a:off x="-379962" y="7854511"/>
-            <a:ext cx="14564709" cy="991316"/>
+            <a:off x="1072314" y="8069662"/>
+            <a:ext cx="14564709" cy="1052503"/>
           </a:xfrm>
           <a:prstGeom prst="roundRect">
             <a:avLst/>
           </a:prstGeom>
           <a:solidFill>
-            <a:srgbClr val="FF6699"/>
+            <a:srgbClr val="00CC99"/>
           </a:solidFill>
-          <a:ln>
+          <a:ln w="57150">
             <a:solidFill>
               <a:schemeClr val="tx1"/>
             </a:solidFill>
@@ -5032,7 +5017,7 @@
           <a:lstStyle/>
           <a:p>
             <a:pPr algn="ctr"/>
-            <a:endParaRPr lang="ur-PK" sz="2400">
+            <a:endParaRPr lang="ur-PK" sz="3600">
               <a:solidFill>
                 <a:schemeClr val="tx1"/>
               </a:solidFill>
@@ -5049,16 +5034,19 @@
         </p:nvSpPr>
         <p:spPr>
           <a:xfrm>
-            <a:off x="455285" y="8043027"/>
-            <a:ext cx="4467485" cy="551545"/>
+            <a:off x="1794487" y="8211604"/>
+            <a:ext cx="4467485" cy="772250"/>
           </a:xfrm>
           <a:prstGeom prst="roundRect">
             <a:avLst/>
           </a:prstGeom>
           <a:solidFill>
-            <a:srgbClr val="CC66FF"/>
+            <a:schemeClr val="accent2">
+              <a:lumMod val="60000"/>
+              <a:lumOff val="40000"/>
+            </a:schemeClr>
           </a:solidFill>
-          <a:ln>
+          <a:ln w="57150">
             <a:solidFill>
               <a:schemeClr val="tx1"/>
             </a:solidFill>
@@ -5086,7 +5074,7 @@
           <a:p>
             <a:pPr algn="ctr"/>
             <a:r>
-              <a:rPr lang="en-US" sz="2400" dirty="0" smtClean="0">
+              <a:rPr lang="en-US" sz="4000" dirty="0" smtClean="0">
                 <a:solidFill>
                   <a:schemeClr val="tx1"/>
                 </a:solidFill>
@@ -5094,7 +5082,7 @@
               </a:rPr>
               <a:t>Channel alignment</a:t>
             </a:r>
-            <a:endParaRPr lang="ur-PK" sz="2400" dirty="0">
+            <a:endParaRPr lang="ur-PK" sz="4000" dirty="0">
               <a:solidFill>
                 <a:schemeClr val="tx1"/>
               </a:solidFill>
@@ -5111,16 +5099,19 @@
         </p:nvSpPr>
         <p:spPr>
           <a:xfrm>
-            <a:off x="8612982" y="7990358"/>
-            <a:ext cx="4091201" cy="602637"/>
+            <a:off x="10119828" y="8186613"/>
+            <a:ext cx="4091201" cy="786553"/>
           </a:xfrm>
           <a:prstGeom prst="roundRect">
             <a:avLst/>
           </a:prstGeom>
           <a:solidFill>
-            <a:srgbClr val="FF9999"/>
+            <a:schemeClr val="accent2">
+              <a:lumMod val="60000"/>
+              <a:lumOff val="40000"/>
+            </a:schemeClr>
           </a:solidFill>
-          <a:ln>
+          <a:ln w="57150">
             <a:solidFill>
               <a:schemeClr val="tx1"/>
             </a:solidFill>
@@ -5148,7 +5139,7 @@
           <a:p>
             <a:pPr algn="ctr"/>
             <a:r>
-              <a:rPr lang="en-US" sz="2400" dirty="0">
+              <a:rPr lang="en-US" sz="4000" dirty="0">
                 <a:solidFill>
                   <a:schemeClr val="tx1"/>
                 </a:solidFill>
@@ -5157,7 +5148,7 @@
               <a:t>P</a:t>
             </a:r>
             <a:r>
-              <a:rPr lang="en-US" sz="2400" dirty="0" smtClean="0">
+              <a:rPr lang="en-US" sz="4000" dirty="0" smtClean="0">
                 <a:solidFill>
                   <a:schemeClr val="tx1"/>
                 </a:solidFill>
@@ -5171,21 +5162,20 @@
       <p:cxnSp>
         <p:nvCxnSpPr>
           <p:cNvPr id="68" name="Elbow Connector 67"/>
-          <p:cNvCxnSpPr>
-            <a:stCxn id="46" idx="2"/>
-            <a:endCxn id="62" idx="0"/>
-          </p:cNvCxnSpPr>
+          <p:cNvCxnSpPr/>
           <p:nvPr/>
         </p:nvCxnSpPr>
         <p:spPr>
           <a:xfrm rot="16200000" flipH="1">
-            <a:off x="3898927" y="4851044"/>
-            <a:ext cx="996511" cy="5010421"/>
+            <a:off x="4587018" y="4302010"/>
+            <a:ext cx="951038" cy="6584265"/>
           </a:xfrm>
           <a:prstGeom prst="bentConnector3">
-            <a:avLst/>
-          </a:prstGeom>
-          <a:ln>
+            <a:avLst>
+              <a:gd name="adj1" fmla="val 67711"/>
+            </a:avLst>
+          </a:prstGeom>
+          <a:ln w="57150">
             <a:solidFill>
               <a:schemeClr val="tx1"/>
             </a:solidFill>
@@ -5210,21 +5200,20 @@
       <p:cxnSp>
         <p:nvCxnSpPr>
           <p:cNvPr id="74" name="Elbow Connector 73"/>
-          <p:cNvCxnSpPr>
-            <a:stCxn id="26" idx="2"/>
-            <a:endCxn id="62" idx="0"/>
-          </p:cNvCxnSpPr>
+          <p:cNvCxnSpPr/>
           <p:nvPr/>
         </p:nvCxnSpPr>
         <p:spPr>
           <a:xfrm rot="5400000">
-            <a:off x="8930359" y="4830035"/>
-            <a:ext cx="996511" cy="5052441"/>
+            <a:off x="11287930" y="3979683"/>
+            <a:ext cx="1156719" cy="7023240"/>
           </a:xfrm>
           <a:prstGeom prst="bentConnector3">
-            <a:avLst/>
-          </a:prstGeom>
-          <a:ln>
+            <a:avLst>
+              <a:gd name="adj1" fmla="val 74964"/>
+            </a:avLst>
+          </a:prstGeom>
+          <a:ln w="57150">
             <a:solidFill>
               <a:schemeClr val="tx1"/>
             </a:solidFill>
@@ -5246,41 +5235,6 @@
           </a:fontRef>
         </p:style>
       </p:cxnSp>
-      <p:cxnSp>
-        <p:nvCxnSpPr>
-          <p:cNvPr id="76" name="Straight Connector 75"/>
-          <p:cNvCxnSpPr/>
-          <p:nvPr/>
-        </p:nvCxnSpPr>
-        <p:spPr>
-          <a:xfrm>
-            <a:off x="6891873" y="6868510"/>
-            <a:ext cx="10519" cy="562304"/>
-          </a:xfrm>
-          <a:prstGeom prst="line">
-            <a:avLst/>
-          </a:prstGeom>
-          <a:ln>
-            <a:solidFill>
-              <a:schemeClr val="tx1"/>
-            </a:solidFill>
-          </a:ln>
-        </p:spPr>
-        <p:style>
-          <a:lnRef idx="1">
-            <a:schemeClr val="accent1"/>
-          </a:lnRef>
-          <a:fillRef idx="0">
-            <a:schemeClr val="accent1"/>
-          </a:fillRef>
-          <a:effectRef idx="0">
-            <a:schemeClr val="accent1"/>
-          </a:effectRef>
-          <a:fontRef idx="minor">
-            <a:schemeClr val="tx1"/>
-          </a:fontRef>
-        </p:style>
-      </p:cxnSp>
       <p:sp>
         <p:nvSpPr>
           <p:cNvPr id="105" name="Rounded Rectangle 104"/>
@@ -5289,8 +5243,8 @@
         </p:nvSpPr>
         <p:spPr>
           <a:xfrm>
-            <a:off x="1924355" y="11045841"/>
-            <a:ext cx="9624410" cy="2333321"/>
+            <a:off x="2682296" y="11045841"/>
+            <a:ext cx="11050141" cy="2333321"/>
           </a:xfrm>
           <a:prstGeom prst="roundRect">
             <a:avLst/>
@@ -5301,7 +5255,7 @@
               <a:lumOff val="80000"/>
             </a:schemeClr>
           </a:solidFill>
-          <a:ln/>
+          <a:ln w="57150"/>
         </p:spPr>
         <p:style>
           <a:lnRef idx="1">
@@ -5322,7 +5276,7 @@
           <a:lstStyle/>
           <a:p>
             <a:pPr algn="ctr"/>
-            <a:endParaRPr lang="ur-PK" sz="2400">
+            <a:endParaRPr lang="ur-PK" sz="3600">
               <a:solidFill>
                 <a:schemeClr val="tx1"/>
               </a:solidFill>
@@ -5339,16 +5293,16 @@
         </p:nvSpPr>
         <p:spPr>
           <a:xfrm>
-            <a:off x="1668780" y="9284197"/>
+            <a:off x="3121056" y="9553137"/>
             <a:ext cx="10561320" cy="1801580"/>
           </a:xfrm>
           <a:prstGeom prst="downArrowCallout">
             <a:avLst/>
           </a:prstGeom>
           <a:solidFill>
-            <a:srgbClr val="FFCC99"/>
+            <a:srgbClr val="FF9999"/>
           </a:solidFill>
-          <a:ln>
+          <a:ln w="57150">
             <a:solidFill>
               <a:schemeClr val="tx1"/>
             </a:solidFill>
@@ -5376,7 +5330,7 @@
           <a:p>
             <a:pPr algn="ctr"/>
             <a:r>
-              <a:rPr lang="en-US" sz="2400" dirty="0" smtClean="0">
+              <a:rPr lang="en-US" sz="4000" dirty="0" smtClean="0">
                 <a:solidFill>
                   <a:schemeClr val="tx1"/>
                 </a:solidFill>
@@ -5388,7 +5342,7 @@
           <a:p>
             <a:pPr algn="ctr"/>
             <a:r>
-              <a:rPr lang="en-US" sz="2400" dirty="0" smtClean="0">
+              <a:rPr lang="en-US" sz="4000" dirty="0" smtClean="0">
                 <a:solidFill>
                   <a:schemeClr val="tx1"/>
                 </a:solidFill>
@@ -5397,7 +5351,7 @@
               <a:t>Z=</a:t>
             </a:r>
             <a:r>
-              <a:rPr lang="el-GR" sz="2400" dirty="0" smtClean="0">
+              <a:rPr lang="el-GR" sz="4000" dirty="0" smtClean="0">
                 <a:solidFill>
                   <a:schemeClr val="tx1"/>
                 </a:solidFill>
@@ -5406,7 +5360,7 @@
               <a:t>α</a:t>
             </a:r>
             <a:r>
-              <a:rPr lang="en-US" sz="2400" dirty="0" smtClean="0">
+              <a:rPr lang="en-US" sz="4000" dirty="0" smtClean="0">
                 <a:solidFill>
                   <a:schemeClr val="tx1"/>
                 </a:solidFill>
@@ -5415,7 +5369,7 @@
               <a:t>t​</a:t>
             </a:r>
             <a:r>
-              <a:rPr lang="en-US" sz="2400" dirty="0" err="1" smtClean="0">
+              <a:rPr lang="en-US" sz="4000" dirty="0" err="1" smtClean="0">
                 <a:solidFill>
                   <a:schemeClr val="tx1"/>
                 </a:solidFill>
@@ -5424,7 +5378,7 @@
               <a:t>Zt</a:t>
             </a:r>
             <a:r>
-              <a:rPr lang="en-US" sz="2400" dirty="0" smtClean="0">
+              <a:rPr lang="en-US" sz="4000" dirty="0" smtClean="0">
                 <a:solidFill>
                   <a:schemeClr val="tx1"/>
                 </a:solidFill>
@@ -5433,7 +5387,7 @@
               <a:t>​+</a:t>
             </a:r>
             <a:r>
-              <a:rPr lang="el-GR" sz="2400" dirty="0" smtClean="0">
+              <a:rPr lang="el-GR" sz="4000" dirty="0" smtClean="0">
                 <a:solidFill>
                   <a:schemeClr val="tx1"/>
                 </a:solidFill>
@@ -5442,7 +5396,7 @@
               <a:t>α</a:t>
             </a:r>
             <a:r>
-              <a:rPr lang="en-US" sz="2400" dirty="0" smtClean="0">
+              <a:rPr lang="en-US" sz="4000" dirty="0" smtClean="0">
                 <a:solidFill>
                   <a:schemeClr val="tx1"/>
                 </a:solidFill>
@@ -5451,7 +5405,7 @@
               <a:t>f​</a:t>
             </a:r>
             <a:r>
-              <a:rPr lang="en-US" sz="2400" dirty="0" err="1" smtClean="0">
+              <a:rPr lang="en-US" sz="4000" dirty="0" err="1" smtClean="0">
                 <a:solidFill>
                   <a:schemeClr val="tx1"/>
                 </a:solidFill>
@@ -5460,7 +5414,7 @@
               <a:t>Zf</a:t>
             </a:r>
             <a:r>
-              <a:rPr lang="en-US" sz="2400" dirty="0" smtClean="0">
+              <a:rPr lang="en-US" sz="4000" dirty="0" smtClean="0">
                 <a:solidFill>
                   <a:schemeClr val="tx1"/>
                 </a:solidFill>
@@ -5469,7 +5423,7 @@
               <a:t>​+</a:t>
             </a:r>
             <a:r>
-              <a:rPr lang="el-GR" sz="2400" dirty="0" smtClean="0">
+              <a:rPr lang="el-GR" sz="4000" dirty="0" smtClean="0">
                 <a:solidFill>
                   <a:schemeClr val="tx1"/>
                 </a:solidFill>
@@ -5478,7 +5432,7 @@
               <a:t>α</a:t>
             </a:r>
             <a:r>
-              <a:rPr lang="en-US" sz="2400" dirty="0" smtClean="0">
+              <a:rPr lang="en-US" sz="4000" dirty="0" smtClean="0">
                 <a:solidFill>
                   <a:schemeClr val="tx1"/>
                 </a:solidFill>
@@ -5487,7 +5441,7 @@
               <a:t>s​</a:t>
             </a:r>
             <a:r>
-              <a:rPr lang="en-US" sz="2400" dirty="0" err="1" smtClean="0">
+              <a:rPr lang="en-US" sz="4000" dirty="0" err="1" smtClean="0">
                 <a:solidFill>
                   <a:schemeClr val="tx1"/>
                 </a:solidFill>
@@ -5496,7 +5450,7 @@
               <a:t>Zs</a:t>
             </a:r>
             <a:r>
-              <a:rPr lang="en-US" sz="2400" dirty="0" smtClean="0">
+              <a:rPr lang="en-US" sz="4000" dirty="0" smtClean="0">
                 <a:solidFill>
                   <a:schemeClr val="tx1"/>
                 </a:solidFill>
@@ -5504,7 +5458,7 @@
               </a:rPr>
               <a:t>​</a:t>
             </a:r>
-            <a:endParaRPr lang="ur-PK" sz="2400" dirty="0">
+            <a:endParaRPr lang="ur-PK" sz="4000" dirty="0">
               <a:solidFill>
                 <a:schemeClr val="tx1"/>
               </a:solidFill>
@@ -5524,13 +5478,13 @@
         </p:nvCxnSpPr>
         <p:spPr>
           <a:xfrm rot="16200000" flipH="1">
-            <a:off x="6706731" y="9041488"/>
-            <a:ext cx="438370" cy="47047"/>
+            <a:off x="8162706" y="9314127"/>
+            <a:ext cx="430972" cy="47047"/>
           </a:xfrm>
           <a:prstGeom prst="bentConnector3">
             <a:avLst/>
           </a:prstGeom>
-          <a:ln>
+          <a:ln w="57150">
             <a:solidFill>
               <a:schemeClr val="tx1"/>
             </a:solidFill>
@@ -5563,15 +5517,15 @@
         </p:nvCxnSpPr>
         <p:spPr>
           <a:xfrm rot="10800000" flipH="1" flipV="1">
-            <a:off x="-379962" y="8350169"/>
-            <a:ext cx="2048742" cy="1519334"/>
+            <a:off x="1072314" y="8595913"/>
+            <a:ext cx="2048742" cy="1542529"/>
           </a:xfrm>
           <a:prstGeom prst="bentConnector3">
             <a:avLst>
               <a:gd name="adj1" fmla="val -11158"/>
             </a:avLst>
           </a:prstGeom>
-          <a:ln>
+          <a:ln w="57150">
             <a:solidFill>
               <a:schemeClr val="tx1"/>
             </a:solidFill>
@@ -5604,15 +5558,15 @@
         </p:nvCxnSpPr>
         <p:spPr>
           <a:xfrm flipH="1">
-            <a:off x="12230100" y="8350169"/>
-            <a:ext cx="1954647" cy="1519334"/>
+            <a:off x="13682376" y="8595914"/>
+            <a:ext cx="1954647" cy="1542529"/>
           </a:xfrm>
           <a:prstGeom prst="bentConnector3">
             <a:avLst>
-              <a:gd name="adj1" fmla="val -11695"/>
+              <a:gd name="adj1" fmla="val -33854"/>
             </a:avLst>
           </a:prstGeom>
-          <a:ln>
+          <a:ln w="57150">
             <a:solidFill>
               <a:schemeClr val="tx1"/>
             </a:solidFill>
@@ -5642,7 +5596,7 @@
         </p:nvSpPr>
         <p:spPr>
           <a:xfrm>
-            <a:off x="2507835" y="11280919"/>
+            <a:off x="2902490" y="11478705"/>
             <a:ext cx="3879838" cy="1667435"/>
           </a:xfrm>
           <a:prstGeom prst="chevron">
@@ -5651,7 +5605,7 @@
           <a:solidFill>
             <a:srgbClr val="CCECFF"/>
           </a:solidFill>
-          <a:ln>
+          <a:ln w="57150">
             <a:solidFill>
               <a:srgbClr val="CCECFF"/>
             </a:solidFill>
@@ -5679,7 +5633,7 @@
           <a:p>
             <a:pPr algn="ctr"/>
             <a:r>
-              <a:rPr lang="en-US" sz="2400" smtClean="0">
+              <a:rPr lang="en-US" sz="3600" dirty="0" smtClean="0">
                 <a:solidFill>
                   <a:schemeClr val="tx1"/>
                 </a:solidFill>
@@ -5687,7 +5641,7 @@
               </a:rPr>
               <a:t>Fully Connected</a:t>
             </a:r>
-            <a:endParaRPr lang="ur-PK" sz="2400">
+            <a:endParaRPr lang="ur-PK" sz="3600" dirty="0">
               <a:solidFill>
                 <a:schemeClr val="tx1"/>
               </a:solidFill>
@@ -5704,7 +5658,7 @@
         </p:nvSpPr>
         <p:spPr>
           <a:xfrm>
-            <a:off x="5992334" y="11312288"/>
+            <a:off x="6377544" y="11507588"/>
             <a:ext cx="3879838" cy="1667435"/>
           </a:xfrm>
           <a:prstGeom prst="chevron">
@@ -5713,7 +5667,7 @@
           <a:solidFill>
             <a:srgbClr val="FF6699"/>
           </a:solidFill>
-          <a:ln>
+          <a:ln w="57150">
             <a:solidFill>
               <a:srgbClr val="FF6699"/>
             </a:solidFill>
@@ -5741,7 +5695,7 @@
           <a:p>
             <a:pPr algn="ctr"/>
             <a:r>
-              <a:rPr lang="en-US" sz="2400" dirty="0" smtClean="0">
+              <a:rPr lang="en-US" sz="3600" dirty="0" smtClean="0">
                 <a:solidFill>
                   <a:schemeClr val="tx1"/>
                 </a:solidFill>
@@ -5749,7 +5703,7 @@
               </a:rPr>
               <a:t>Softmax</a:t>
             </a:r>
-            <a:endParaRPr lang="ur-PK" sz="2400" dirty="0">
+            <a:endParaRPr lang="ur-PK" sz="3600" dirty="0">
               <a:solidFill>
                 <a:schemeClr val="tx1"/>
               </a:solidFill>
@@ -5766,16 +5720,19 @@
         </p:nvSpPr>
         <p:spPr>
           <a:xfrm>
-            <a:off x="-64118" y="13676007"/>
+            <a:off x="-1547621" y="14002780"/>
             <a:ext cx="2573382" cy="736109"/>
           </a:xfrm>
           <a:prstGeom prst="roundRect">
             <a:avLst/>
           </a:prstGeom>
           <a:solidFill>
-            <a:srgbClr val="00B050"/>
+            <a:schemeClr val="accent6">
+              <a:lumMod val="20000"/>
+              <a:lumOff val="80000"/>
+            </a:schemeClr>
           </a:solidFill>
-          <a:ln>
+          <a:ln w="57150">
             <a:solidFill>
               <a:schemeClr val="tx1"/>
             </a:solidFill>
@@ -5803,7 +5760,7 @@
           <a:p>
             <a:pPr algn="ctr"/>
             <a:r>
-              <a:rPr lang="en-US" sz="2400" smtClean="0">
+              <a:rPr lang="en-US" sz="3600" dirty="0" smtClean="0">
                 <a:solidFill>
                   <a:schemeClr val="tx1"/>
                 </a:solidFill>
@@ -5811,7 +5768,7 @@
               </a:rPr>
               <a:t>Normal</a:t>
             </a:r>
-            <a:endParaRPr lang="ur-PK" sz="2400">
+            <a:endParaRPr lang="ur-PK" sz="3600" dirty="0">
               <a:solidFill>
                 <a:schemeClr val="tx1"/>
               </a:solidFill>
@@ -5828,7 +5785,7 @@
         </p:nvSpPr>
         <p:spPr>
           <a:xfrm>
-            <a:off x="2808305" y="13676006"/>
+            <a:off x="1582500" y="14002781"/>
             <a:ext cx="2573382" cy="736109"/>
           </a:xfrm>
           <a:prstGeom prst="roundRect">
@@ -5837,7 +5794,7 @@
           <a:solidFill>
             <a:srgbClr val="C00000"/>
           </a:solidFill>
-          <a:ln>
+          <a:ln w="57150">
             <a:solidFill>
               <a:srgbClr val="C00000"/>
             </a:solidFill>
@@ -5865,15 +5822,33 @@
           <a:p>
             <a:pPr algn="ctr"/>
             <a:r>
-              <a:rPr lang="en-US" sz="2400" dirty="0" err="1" smtClean="0">
-                <a:solidFill>
-                  <a:schemeClr val="tx1"/>
-                </a:solidFill>
-                <a:latin typeface="Arial Narrow" panose="020B0606020202030204" pitchFamily="34" charset="0"/>
-              </a:rPr>
-              <a:t>AddWeight</a:t>
-            </a:r>
-            <a:endParaRPr lang="ur-PK" sz="2400" dirty="0">
+              <a:rPr lang="en-US" sz="3600" dirty="0" smtClean="0">
+                <a:solidFill>
+                  <a:schemeClr val="tx1"/>
+                </a:solidFill>
+                <a:latin typeface="Arial Narrow" panose="020B0606020202030204" pitchFamily="34" charset="0"/>
+              </a:rPr>
+              <a:t>Add </a:t>
+            </a:r>
+            <a:r>
+              <a:rPr lang="en-US" sz="3600" dirty="0">
+                <a:solidFill>
+                  <a:schemeClr val="tx1"/>
+                </a:solidFill>
+                <a:latin typeface="Arial Narrow" panose="020B0606020202030204" pitchFamily="34" charset="0"/>
+              </a:rPr>
+              <a:t>w</a:t>
+            </a:r>
+            <a:r>
+              <a:rPr lang="en-US" sz="3600" dirty="0" smtClean="0">
+                <a:solidFill>
+                  <a:schemeClr val="tx1"/>
+                </a:solidFill>
+                <a:latin typeface="Arial Narrow" panose="020B0606020202030204" pitchFamily="34" charset="0"/>
+              </a:rPr>
+              <a:t>eight</a:t>
+            </a:r>
+            <a:endParaRPr lang="ur-PK" sz="3600" dirty="0">
               <a:solidFill>
                 <a:schemeClr val="tx1"/>
               </a:solidFill>
@@ -5890,16 +5865,19 @@
         </p:nvSpPr>
         <p:spPr>
           <a:xfrm>
-            <a:off x="5763028" y="13676006"/>
-            <a:ext cx="2573382" cy="736109"/>
+            <a:off x="4785327" y="13944300"/>
+            <a:ext cx="4398406" cy="787816"/>
           </a:xfrm>
           <a:prstGeom prst="roundRect">
             <a:avLst/>
           </a:prstGeom>
           <a:solidFill>
-            <a:srgbClr val="FF0000"/>
+            <a:schemeClr val="accent4">
+              <a:lumMod val="20000"/>
+              <a:lumOff val="80000"/>
+            </a:schemeClr>
           </a:solidFill>
-          <a:ln>
+          <a:ln w="57150">
             <a:solidFill>
               <a:schemeClr val="tx1"/>
             </a:solidFill>
@@ -5927,24 +5905,15 @@
           <a:p>
             <a:pPr algn="ctr"/>
             <a:r>
-              <a:rPr lang="en-US" sz="2400" dirty="0" err="1" smtClean="0">
-                <a:solidFill>
-                  <a:schemeClr val="tx1"/>
-                </a:solidFill>
-                <a:latin typeface="Arial Narrow" panose="020B0606020202030204" pitchFamily="34" charset="0"/>
-              </a:rPr>
-              <a:t>PressureGain</a:t>
-            </a:r>
-            <a:r>
-              <a:rPr lang="en-US" sz="2400" dirty="0" smtClean="0">
-                <a:solidFill>
-                  <a:schemeClr val="tx1"/>
-                </a:solidFill>
-                <a:latin typeface="Arial Narrow" panose="020B0606020202030204" pitchFamily="34" charset="0"/>
-              </a:rPr>
-              <a:t> constant</a:t>
-            </a:r>
-            <a:endParaRPr lang="ur-PK" sz="2400" dirty="0">
+              <a:rPr lang="en-US" sz="3600" dirty="0" smtClean="0">
+                <a:solidFill>
+                  <a:schemeClr val="tx1"/>
+                </a:solidFill>
+                <a:latin typeface="Arial Narrow" panose="020B0606020202030204" pitchFamily="34" charset="0"/>
+              </a:rPr>
+              <a:t>Pressure gain constant</a:t>
+            </a:r>
+            <a:endParaRPr lang="ur-PK" sz="3600" dirty="0">
               <a:solidFill>
                 <a:schemeClr val="tx1"/>
               </a:solidFill>
@@ -5961,16 +5930,18 @@
         </p:nvSpPr>
         <p:spPr>
           <a:xfrm>
-            <a:off x="8647026" y="13676005"/>
-            <a:ext cx="2573382" cy="736109"/>
+            <a:off x="9643475" y="14016867"/>
+            <a:ext cx="4592372" cy="639869"/>
           </a:xfrm>
           <a:prstGeom prst="roundRect">
             <a:avLst/>
           </a:prstGeom>
           <a:solidFill>
-            <a:srgbClr val="FFFF00"/>
+            <a:schemeClr val="bg2">
+              <a:lumMod val="90000"/>
+            </a:schemeClr>
           </a:solidFill>
-          <a:ln>
+          <a:ln w="57150">
             <a:solidFill>
               <a:schemeClr val="tx1"/>
             </a:solidFill>
@@ -5998,33 +5969,15 @@
           <a:p>
             <a:pPr algn="ctr"/>
             <a:r>
-              <a:rPr lang="en-US" sz="2400" dirty="0" err="1" smtClean="0">
-                <a:solidFill>
-                  <a:schemeClr val="tx1"/>
-                </a:solidFill>
-                <a:latin typeface="Arial Narrow" panose="020B0606020202030204" pitchFamily="34" charset="0"/>
-              </a:rPr>
-              <a:t>PropellerDamage</a:t>
-            </a:r>
-            <a:r>
-              <a:rPr lang="en-US" sz="2400" dirty="0" smtClean="0">
-                <a:solidFill>
-                  <a:schemeClr val="tx1"/>
-                </a:solidFill>
-                <a:latin typeface="Arial Narrow" panose="020B0606020202030204" pitchFamily="34" charset="0"/>
-              </a:rPr>
-              <a:t> </a:t>
-            </a:r>
-            <a:r>
-              <a:rPr lang="en-US" sz="2400" dirty="0" err="1" smtClean="0">
-                <a:solidFill>
-                  <a:schemeClr val="tx1"/>
-                </a:solidFill>
-                <a:latin typeface="Arial Narrow" panose="020B0606020202030204" pitchFamily="34" charset="0"/>
-              </a:rPr>
-              <a:t>sligh</a:t>
-            </a:r>
-            <a:endParaRPr lang="ur-PK" sz="2400" dirty="0">
+              <a:rPr lang="en-US" sz="3600" dirty="0" smtClean="0">
+                <a:solidFill>
+                  <a:schemeClr val="tx1"/>
+                </a:solidFill>
+                <a:latin typeface="Arial Narrow" panose="020B0606020202030204" pitchFamily="34" charset="0"/>
+              </a:rPr>
+              <a:t>Propeller damage slight</a:t>
+            </a:r>
+            <a:endParaRPr lang="ur-PK" sz="3600" dirty="0">
               <a:solidFill>
                 <a:schemeClr val="tx1"/>
               </a:solidFill>
@@ -6041,16 +5994,16 @@
         </p:nvSpPr>
         <p:spPr>
           <a:xfrm>
-            <a:off x="11548765" y="13676005"/>
-            <a:ext cx="2573382" cy="736109"/>
+            <a:off x="13833708" y="13190006"/>
+            <a:ext cx="4001425" cy="601165"/>
           </a:xfrm>
           <a:prstGeom prst="roundRect">
             <a:avLst/>
           </a:prstGeom>
           <a:solidFill>
-            <a:srgbClr val="00B0F0"/>
+            <a:srgbClr val="CCECFF"/>
           </a:solidFill>
-          <a:ln>
+          <a:ln w="57150">
             <a:solidFill>
               <a:schemeClr val="tx1"/>
             </a:solidFill>
@@ -6078,24 +6031,15 @@
           <a:p>
             <a:pPr algn="ctr"/>
             <a:r>
-              <a:rPr lang="en-US" sz="2400" dirty="0" err="1" smtClean="0">
-                <a:solidFill>
-                  <a:schemeClr val="tx1"/>
-                </a:solidFill>
-                <a:latin typeface="Arial Narrow" panose="020B0606020202030204" pitchFamily="34" charset="0"/>
-              </a:rPr>
-              <a:t>PropellerDamage</a:t>
-            </a:r>
-            <a:r>
-              <a:rPr lang="en-US" sz="2400" dirty="0" smtClean="0">
-                <a:solidFill>
-                  <a:schemeClr val="tx1"/>
-                </a:solidFill>
-                <a:latin typeface="Arial Narrow" panose="020B0606020202030204" pitchFamily="34" charset="0"/>
-              </a:rPr>
-              <a:t> bad</a:t>
-            </a:r>
-            <a:endParaRPr lang="ur-PK" sz="2400" dirty="0">
+              <a:rPr lang="en-US" sz="3600" dirty="0" smtClean="0">
+                <a:solidFill>
+                  <a:schemeClr val="tx1"/>
+                </a:solidFill>
+                <a:latin typeface="Arial Narrow" panose="020B0606020202030204" pitchFamily="34" charset="0"/>
+              </a:rPr>
+              <a:t>Propeller damage bad</a:t>
+            </a:r>
+            <a:endParaRPr lang="ur-PK" sz="3600" dirty="0">
               <a:solidFill>
                 <a:schemeClr val="tx1"/>
               </a:solidFill>
@@ -6115,13 +6059,13 @@
         </p:nvCxnSpPr>
         <p:spPr>
           <a:xfrm rot="10800000" flipV="1">
-            <a:off x="1222573" y="12212501"/>
-            <a:ext cx="701782" cy="1463505"/>
+            <a:off x="-260930" y="12212502"/>
+            <a:ext cx="2943226" cy="1790278"/>
           </a:xfrm>
           <a:prstGeom prst="bentConnector2">
             <a:avLst/>
           </a:prstGeom>
-          <a:ln>
+          <a:ln w="57150">
             <a:solidFill>
               <a:schemeClr val="tx1"/>
             </a:solidFill>
@@ -6154,13 +6098,13 @@
         </p:nvCxnSpPr>
         <p:spPr>
           <a:xfrm>
-            <a:off x="11548765" y="12212502"/>
-            <a:ext cx="1286691" cy="1463503"/>
+            <a:off x="13732437" y="12212502"/>
+            <a:ext cx="2101984" cy="977504"/>
           </a:xfrm>
           <a:prstGeom prst="bentConnector2">
             <a:avLst/>
           </a:prstGeom>
-          <a:ln>
+          <a:ln w="57150">
             <a:solidFill>
               <a:schemeClr val="tx1"/>
             </a:solidFill>
@@ -6190,14 +6134,14 @@
         </p:nvSpPr>
         <p:spPr>
           <a:xfrm>
-            <a:off x="-4608825" y="2540216"/>
-            <a:ext cx="19737538" cy="12339566"/>
+            <a:off x="-5255403" y="2540216"/>
+            <a:ext cx="23650980" cy="12339566"/>
           </a:xfrm>
           <a:prstGeom prst="roundRect">
             <a:avLst/>
           </a:prstGeom>
           <a:noFill/>
-          <a:ln>
+          <a:ln w="57150">
             <a:solidFill>
               <a:schemeClr val="tx1"/>
             </a:solidFill>
@@ -6224,7 +6168,7 @@
           <a:lstStyle/>
           <a:p>
             <a:pPr algn="ctr"/>
-            <a:endParaRPr lang="ur-PK" sz="2400">
+            <a:endParaRPr lang="ur-PK" sz="3600">
               <a:solidFill>
                 <a:schemeClr val="tx1"/>
               </a:solidFill>
@@ -6236,18 +6180,23 @@
       <p:cxnSp>
         <p:nvCxnSpPr>
           <p:cNvPr id="118" name="Elbow Connector 117"/>
-          <p:cNvCxnSpPr/>
+          <p:cNvCxnSpPr>
+            <a:stCxn id="105" idx="2"/>
+            <a:endCxn id="107" idx="0"/>
+          </p:cNvCxnSpPr>
           <p:nvPr/>
         </p:nvCxnSpPr>
         <p:spPr>
           <a:xfrm rot="5400000">
-            <a:off x="5356706" y="12192112"/>
-            <a:ext cx="296844" cy="2641564"/>
+            <a:off x="5226470" y="11021883"/>
+            <a:ext cx="623619" cy="5338176"/>
           </a:xfrm>
           <a:prstGeom prst="bentConnector3">
-            <a:avLst/>
-          </a:prstGeom>
-          <a:ln>
+            <a:avLst>
+              <a:gd name="adj1" fmla="val 50000"/>
+            </a:avLst>
+          </a:prstGeom>
+          <a:ln w="57150">
             <a:solidFill>
               <a:schemeClr val="tx1"/>
             </a:solidFill>
@@ -6280,13 +6229,13 @@
         </p:nvCxnSpPr>
         <p:spPr>
           <a:xfrm rot="16200000" flipH="1">
-            <a:off x="8186717" y="11929004"/>
-            <a:ext cx="296843" cy="3197157"/>
+            <a:off x="9754662" y="11831867"/>
+            <a:ext cx="637705" cy="3732294"/>
           </a:xfrm>
           <a:prstGeom prst="bentConnector3">
             <a:avLst/>
           </a:prstGeom>
-          <a:ln>
+          <a:ln w="57150">
             <a:solidFill>
               <a:schemeClr val="tx1"/>
             </a:solidFill>
@@ -6312,19 +6261,22 @@
         <p:nvCxnSpPr>
           <p:cNvPr id="128" name="Elbow Connector 127"/>
           <p:cNvCxnSpPr>
+            <a:stCxn id="105" idx="2"/>
             <a:endCxn id="108" idx="0"/>
           </p:cNvCxnSpPr>
           <p:nvPr/>
         </p:nvCxnSpPr>
         <p:spPr>
-          <a:xfrm>
-            <a:off x="6891873" y="13527682"/>
-            <a:ext cx="157846" cy="148324"/>
-          </a:xfrm>
-          <a:prstGeom prst="bentConnector2">
-            <a:avLst/>
-          </a:prstGeom>
-          <a:ln>
+          <a:xfrm rot="5400000">
+            <a:off x="7313380" y="13050313"/>
+            <a:ext cx="565138" cy="1222837"/>
+          </a:xfrm>
+          <a:prstGeom prst="bentConnector3">
+            <a:avLst>
+              <a:gd name="adj1" fmla="val 50000"/>
+            </a:avLst>
+          </a:prstGeom>
+          <a:ln w="57150">
             <a:solidFill>
               <a:schemeClr val="tx1"/>
             </a:solidFill>
@@ -6353,14 +6305,14 @@
           <p:nvPr/>
         </p:nvSpPr>
         <p:spPr>
-          <a:xfrm flipH="1">
-            <a:off x="-4575098" y="4732311"/>
-            <a:ext cx="3054927" cy="2415687"/>
+          <a:xfrm rot="18614291" flipH="1">
+            <a:off x="-5699930" y="6805153"/>
+            <a:ext cx="4109850" cy="2415687"/>
           </a:xfrm>
           <a:prstGeom prst="stripedRightArrow">
             <a:avLst/>
           </a:prstGeom>
-          <a:ln/>
+          <a:ln w="57150"/>
         </p:spPr>
         <p:style>
           <a:lnRef idx="1">
@@ -6382,7 +6334,7 @@
           <a:p>
             <a:pPr algn="ctr"/>
             <a:r>
-              <a:rPr lang="en-US" sz="2400" dirty="0" smtClean="0">
+              <a:rPr lang="en-US" sz="3600" dirty="0" smtClean="0">
                 <a:solidFill>
                   <a:schemeClr val="tx1"/>
                 </a:solidFill>
@@ -6394,7 +6346,7 @@
           <a:p>
             <a:pPr algn="ctr"/>
             <a:r>
-              <a:rPr lang="en-US" sz="2400" dirty="0" smtClean="0">
+              <a:rPr lang="en-US" sz="3600" dirty="0" smtClean="0">
                 <a:solidFill>
                   <a:schemeClr val="tx1"/>
                 </a:solidFill>
@@ -6402,7 +6354,7 @@
               </a:rPr>
               <a:t>𝑦^	</a:t>
             </a:r>
-            <a:endParaRPr lang="ur-PK" sz="2400" dirty="0">
+            <a:endParaRPr lang="ur-PK" sz="3600" dirty="0">
               <a:solidFill>
                 <a:schemeClr val="tx1"/>
               </a:solidFill>
@@ -6418,14 +6370,14 @@
           <p:nvPr/>
         </p:nvSpPr>
         <p:spPr>
-          <a:xfrm flipH="1">
-            <a:off x="-4608826" y="7346508"/>
-            <a:ext cx="3054927" cy="2415687"/>
+          <a:xfrm rot="18694310" flipH="1">
+            <a:off x="-5276095" y="9093383"/>
+            <a:ext cx="4436570" cy="2415687"/>
           </a:xfrm>
           <a:prstGeom prst="stripedRightArrow">
             <a:avLst/>
           </a:prstGeom>
-          <a:ln/>
+          <a:ln w="57150"/>
         </p:spPr>
         <p:style>
           <a:lnRef idx="1">
@@ -6447,7 +6399,7 @@
           <a:p>
             <a:pPr algn="ctr"/>
             <a:r>
-              <a:rPr lang="en-US" sz="2400" b="1" dirty="0" smtClean="0">
+              <a:rPr lang="en-US" sz="3600" dirty="0" smtClean="0">
                 <a:solidFill>
                   <a:schemeClr val="tx1"/>
                 </a:solidFill>
@@ -6455,49 +6407,43 @@
               </a:rPr>
               <a:t>Class probabilities</a:t>
             </a:r>
-            <a:endParaRPr lang="en-US" sz="2400" dirty="0" smtClean="0">
+          </a:p>
+          <a:p>
+            <a:pPr algn="ctr"/>
+            <a:r>
+              <a:rPr lang="en-US" sz="3600" dirty="0" smtClean="0">
+                <a:solidFill>
+                  <a:schemeClr val="tx1"/>
+                </a:solidFill>
+                <a:latin typeface="Arial Narrow" panose="020B0606020202030204" pitchFamily="34" charset="0"/>
+              </a:rPr>
+              <a:t>p(</a:t>
+            </a:r>
+            <a:r>
+              <a:rPr lang="en-US" sz="3600" dirty="0" err="1" smtClean="0">
+                <a:solidFill>
+                  <a:schemeClr val="tx1"/>
+                </a:solidFill>
+                <a:latin typeface="Arial Narrow" panose="020B0606020202030204" pitchFamily="34" charset="0"/>
+              </a:rPr>
+              <a:t>c∣Z</a:t>
+            </a:r>
+            <a:r>
+              <a:rPr lang="en-US" sz="3600" dirty="0" smtClean="0">
+                <a:solidFill>
+                  <a:schemeClr val="tx1"/>
+                </a:solidFill>
+                <a:latin typeface="Arial Narrow" panose="020B0606020202030204" pitchFamily="34" charset="0"/>
+              </a:rPr>
+              <a:t>)</a:t>
+            </a:r>
+            <a:endParaRPr lang="ur-PK" sz="3600" dirty="0">
               <a:solidFill>
                 <a:schemeClr val="tx1"/>
               </a:solidFill>
               <a:latin typeface="Arial Narrow" panose="020B0606020202030204" pitchFamily="34" charset="0"/>
             </a:endParaRPr>
           </a:p>
-          <a:p>
-            <a:pPr algn="ctr"/>
-            <a:r>
-              <a:rPr lang="en-US" sz="2400" dirty="0" smtClean="0">
-                <a:solidFill>
-                  <a:schemeClr val="tx1"/>
-                </a:solidFill>
-                <a:latin typeface="Arial Narrow" panose="020B0606020202030204" pitchFamily="34" charset="0"/>
-              </a:rPr>
-              <a:t>p(</a:t>
-            </a:r>
-            <a:r>
-              <a:rPr lang="en-US" sz="2400" dirty="0" err="1" smtClean="0">
-                <a:solidFill>
-                  <a:schemeClr val="tx1"/>
-                </a:solidFill>
-                <a:latin typeface="Arial Narrow" panose="020B0606020202030204" pitchFamily="34" charset="0"/>
-              </a:rPr>
-              <a:t>c∣Z</a:t>
-            </a:r>
-            <a:r>
-              <a:rPr lang="en-US" sz="2400" dirty="0" smtClean="0">
-                <a:solidFill>
-                  <a:schemeClr val="tx1"/>
-                </a:solidFill>
-                <a:latin typeface="Arial Narrow" panose="020B0606020202030204" pitchFamily="34" charset="0"/>
-              </a:rPr>
-              <a:t>)</a:t>
-            </a:r>
-            <a:endParaRPr lang="ur-PK" sz="2400" dirty="0">
-              <a:solidFill>
-                <a:schemeClr val="tx1"/>
-              </a:solidFill>
-              <a:latin typeface="Arial Narrow" panose="020B0606020202030204" pitchFamily="34" charset="0"/>
-            </a:endParaRPr>
-          </a:p>
         </p:txBody>
       </p:sp>
       <p:sp>
@@ -6507,14 +6453,14 @@
           <p:nvPr/>
         </p:nvSpPr>
         <p:spPr>
-          <a:xfrm flipH="1">
-            <a:off x="-4587394" y="10146135"/>
-            <a:ext cx="3054927" cy="2415687"/>
+          <a:xfrm rot="18629223" flipH="1">
+            <a:off x="-4385417" y="11387829"/>
+            <a:ext cx="4169924" cy="2415687"/>
           </a:xfrm>
           <a:prstGeom prst="stripedRightArrow">
             <a:avLst/>
           </a:prstGeom>
-          <a:ln/>
+          <a:ln w="57150"/>
         </p:spPr>
         <p:style>
           <a:lnRef idx="1">
@@ -6536,7 +6482,7 @@
           <a:p>
             <a:pPr algn="ctr"/>
             <a:r>
-              <a:rPr lang="en-US" sz="2400" b="1" dirty="0" smtClean="0">
+              <a:rPr lang="en-US" sz="3600" dirty="0" smtClean="0">
                 <a:solidFill>
                   <a:schemeClr val="tx1"/>
                 </a:solidFill>
@@ -6544,85 +6490,79 @@
               </a:rPr>
               <a:t>Expert weights</a:t>
             </a:r>
-            <a:endParaRPr lang="en-US" sz="2400" dirty="0" smtClean="0">
+          </a:p>
+          <a:p>
+            <a:pPr algn="ctr"/>
+            <a:r>
+              <a:rPr lang="en-US" sz="3600" dirty="0" smtClean="0">
+                <a:solidFill>
+                  <a:schemeClr val="tx1"/>
+                </a:solidFill>
+                <a:latin typeface="Arial Narrow" panose="020B0606020202030204" pitchFamily="34" charset="0"/>
+              </a:rPr>
+              <a:t>(</a:t>
+            </a:r>
+            <a:r>
+              <a:rPr lang="el-GR" sz="3600" dirty="0" smtClean="0">
+                <a:solidFill>
+                  <a:schemeClr val="tx1"/>
+                </a:solidFill>
+                <a:latin typeface="Arial Narrow" panose="020B0606020202030204" pitchFamily="34" charset="0"/>
+              </a:rPr>
+              <a:t>α</a:t>
+            </a:r>
+            <a:r>
+              <a:rPr lang="en-US" sz="3600" dirty="0" smtClean="0">
+                <a:solidFill>
+                  <a:schemeClr val="tx1"/>
+                </a:solidFill>
+                <a:latin typeface="Arial Narrow" panose="020B0606020202030204" pitchFamily="34" charset="0"/>
+              </a:rPr>
+              <a:t>t,</a:t>
+            </a:r>
+            <a:r>
+              <a:rPr lang="el-GR" sz="3600" dirty="0" smtClean="0">
+                <a:solidFill>
+                  <a:schemeClr val="tx1"/>
+                </a:solidFill>
+                <a:latin typeface="Arial Narrow" panose="020B0606020202030204" pitchFamily="34" charset="0"/>
+              </a:rPr>
+              <a:t>α</a:t>
+            </a:r>
+            <a:r>
+              <a:rPr lang="en-US" sz="3600" dirty="0" smtClean="0">
+                <a:solidFill>
+                  <a:schemeClr val="tx1"/>
+                </a:solidFill>
+                <a:latin typeface="Arial Narrow" panose="020B0606020202030204" pitchFamily="34" charset="0"/>
+              </a:rPr>
+              <a:t>f,</a:t>
+            </a:r>
+            <a:r>
+              <a:rPr lang="el-GR" sz="3600" dirty="0" smtClean="0">
+                <a:solidFill>
+                  <a:schemeClr val="tx1"/>
+                </a:solidFill>
+                <a:latin typeface="Arial Narrow" panose="020B0606020202030204" pitchFamily="34" charset="0"/>
+              </a:rPr>
+              <a:t>α</a:t>
+            </a:r>
+            <a:r>
+              <a:rPr lang="en-US" sz="3600" dirty="0" smtClean="0">
+                <a:solidFill>
+                  <a:schemeClr val="tx1"/>
+                </a:solidFill>
+                <a:latin typeface="Arial Narrow" panose="020B0606020202030204" pitchFamily="34" charset="0"/>
+              </a:rPr>
+              <a:t>s)</a:t>
+            </a:r>
+            <a:endParaRPr lang="ur-PK" sz="3600" dirty="0">
               <a:solidFill>
                 <a:schemeClr val="tx1"/>
               </a:solidFill>
               <a:latin typeface="Arial Narrow" panose="020B0606020202030204" pitchFamily="34" charset="0"/>
             </a:endParaRPr>
           </a:p>
-          <a:p>
-            <a:pPr algn="ctr"/>
-            <a:r>
-              <a:rPr lang="en-US" sz="2400" dirty="0" smtClean="0">
-                <a:solidFill>
-                  <a:schemeClr val="tx1"/>
-                </a:solidFill>
-                <a:latin typeface="Arial Narrow" panose="020B0606020202030204" pitchFamily="34" charset="0"/>
-              </a:rPr>
-              <a:t>(</a:t>
-            </a:r>
-            <a:r>
-              <a:rPr lang="el-GR" sz="2400" dirty="0" smtClean="0">
-                <a:solidFill>
-                  <a:schemeClr val="tx1"/>
-                </a:solidFill>
-                <a:latin typeface="Arial Narrow" panose="020B0606020202030204" pitchFamily="34" charset="0"/>
-              </a:rPr>
-              <a:t>α</a:t>
-            </a:r>
-            <a:r>
-              <a:rPr lang="en-US" sz="2400" dirty="0" smtClean="0">
-                <a:solidFill>
-                  <a:schemeClr val="tx1"/>
-                </a:solidFill>
-                <a:latin typeface="Arial Narrow" panose="020B0606020202030204" pitchFamily="34" charset="0"/>
-              </a:rPr>
-              <a:t>t,</a:t>
-            </a:r>
-            <a:r>
-              <a:rPr lang="el-GR" sz="2400" dirty="0" smtClean="0">
-                <a:solidFill>
-                  <a:schemeClr val="tx1"/>
-                </a:solidFill>
-                <a:latin typeface="Arial Narrow" panose="020B0606020202030204" pitchFamily="34" charset="0"/>
-              </a:rPr>
-              <a:t>α</a:t>
-            </a:r>
-            <a:r>
-              <a:rPr lang="en-US" sz="2400" dirty="0" smtClean="0">
-                <a:solidFill>
-                  <a:schemeClr val="tx1"/>
-                </a:solidFill>
-                <a:latin typeface="Arial Narrow" panose="020B0606020202030204" pitchFamily="34" charset="0"/>
-              </a:rPr>
-              <a:t>f,</a:t>
-            </a:r>
-            <a:r>
-              <a:rPr lang="el-GR" sz="2400" dirty="0" smtClean="0">
-                <a:solidFill>
-                  <a:schemeClr val="tx1"/>
-                </a:solidFill>
-                <a:latin typeface="Arial Narrow" panose="020B0606020202030204" pitchFamily="34" charset="0"/>
-              </a:rPr>
-              <a:t>α</a:t>
-            </a:r>
-            <a:r>
-              <a:rPr lang="en-US" sz="2400" dirty="0" smtClean="0">
-                <a:solidFill>
-                  <a:schemeClr val="tx1"/>
-                </a:solidFill>
-                <a:latin typeface="Arial Narrow" panose="020B0606020202030204" pitchFamily="34" charset="0"/>
-              </a:rPr>
-              <a:t>s)</a:t>
-            </a:r>
-            <a:endParaRPr lang="ur-PK" sz="2400" dirty="0">
-              <a:solidFill>
-                <a:schemeClr val="tx1"/>
-              </a:solidFill>
-              <a:latin typeface="Arial Narrow" panose="020B0606020202030204" pitchFamily="34" charset="0"/>
-            </a:endParaRPr>
-          </a:p>
         </p:txBody>
       </p:sp>
       <p:sp>
@@ -6633,13 +6573,13 @@
         </p:nvSpPr>
         <p:spPr>
           <a:xfrm>
-            <a:off x="1006042" y="6949229"/>
-            <a:ext cx="925253" cy="461665"/>
+            <a:off x="1970956" y="7136409"/>
+            <a:ext cx="1290738" cy="646331"/>
           </a:xfrm>
           <a:prstGeom prst="rect">
             <a:avLst/>
           </a:prstGeom>
-          <a:ln>
+          <a:ln w="57150">
             <a:noFill/>
           </a:ln>
         </p:spPr>
@@ -6650,18 +6590,18 @@
           <a:lstStyle/>
           <a:p>
             <a:r>
-              <a:rPr lang="en-US" sz="2400" dirty="0" err="1" smtClean="0">
+              <a:rPr lang="en-US" sz="3600" dirty="0" err="1" smtClean="0">
                 <a:latin typeface="Arial Narrow" panose="020B0606020202030204" pitchFamily="34" charset="0"/>
               </a:rPr>
               <a:t>Zt</a:t>
             </a:r>
             <a:r>
-              <a:rPr lang="en-US" sz="2400" dirty="0" smtClean="0">
+              <a:rPr lang="en-US" sz="3600" dirty="0" smtClean="0">
                 <a:latin typeface="Arial Narrow" panose="020B0606020202030204" pitchFamily="34" charset="0"/>
               </a:rPr>
               <a:t>​∈Rd</a:t>
             </a:r>
-            <a:endParaRPr lang="ur-PK" sz="2400" dirty="0">
+            <a:endParaRPr lang="ur-PK" sz="3600" dirty="0">
               <a:latin typeface="Arial Narrow" panose="020B0606020202030204" pitchFamily="34" charset="0"/>
             </a:endParaRPr>
           </a:p>
@@ -6675,13 +6615,13 @@
         </p:nvSpPr>
         <p:spPr>
           <a:xfrm>
-            <a:off x="6097030" y="6917166"/>
-            <a:ext cx="925253" cy="461665"/>
+            <a:off x="7756347" y="7136409"/>
+            <a:ext cx="1290738" cy="646331"/>
           </a:xfrm>
           <a:prstGeom prst="rect">
             <a:avLst/>
           </a:prstGeom>
-          <a:ln>
+          <a:ln w="57150">
             <a:noFill/>
           </a:ln>
         </p:spPr>
@@ -6692,18 +6632,18 @@
           <a:lstStyle/>
           <a:p>
             <a:r>
-              <a:rPr lang="en-US" sz="2400" dirty="0" err="1" smtClean="0">
+              <a:rPr lang="en-US" sz="3600" dirty="0" err="1" smtClean="0">
                 <a:latin typeface="Arial Narrow" panose="020B0606020202030204" pitchFamily="34" charset="0"/>
               </a:rPr>
               <a:t>Zf</a:t>
             </a:r>
             <a:r>
-              <a:rPr lang="en-US" sz="2400" dirty="0" smtClean="0">
+              <a:rPr lang="en-US" sz="3600" dirty="0" smtClean="0">
                 <a:latin typeface="Arial Narrow" panose="020B0606020202030204" pitchFamily="34" charset="0"/>
               </a:rPr>
               <a:t>​∈Rd</a:t>
             </a:r>
-            <a:endParaRPr lang="ur-PK" sz="2400" dirty="0">
+            <a:endParaRPr lang="ur-PK" sz="3600" dirty="0">
               <a:latin typeface="Arial Narrow" panose="020B0606020202030204" pitchFamily="34" charset="0"/>
             </a:endParaRPr>
           </a:p>
@@ -6717,13 +6657,13 @@
         </p:nvSpPr>
         <p:spPr>
           <a:xfrm>
-            <a:off x="10988878" y="6949229"/>
-            <a:ext cx="981359" cy="461665"/>
+            <a:off x="13884855" y="7145331"/>
+            <a:ext cx="1374094" cy="646331"/>
           </a:xfrm>
           <a:prstGeom prst="rect">
             <a:avLst/>
           </a:prstGeom>
-          <a:ln>
+          <a:ln w="57150">
             <a:noFill/>
           </a:ln>
         </p:spPr>
@@ -6734,18 +6674,18 @@
           <a:lstStyle/>
           <a:p>
             <a:r>
-              <a:rPr lang="en-US" sz="2400" dirty="0" err="1" smtClean="0">
+              <a:rPr lang="en-US" sz="3600" dirty="0" err="1" smtClean="0">
                 <a:latin typeface="Arial Narrow" panose="020B0606020202030204" pitchFamily="34" charset="0"/>
               </a:rPr>
               <a:t>Zs</a:t>
             </a:r>
             <a:r>
-              <a:rPr lang="en-US" sz="2400" dirty="0" smtClean="0">
+              <a:rPr lang="en-US" sz="3600" dirty="0" smtClean="0">
                 <a:latin typeface="Arial Narrow" panose="020B0606020202030204" pitchFamily="34" charset="0"/>
               </a:rPr>
               <a:t>​∈Rd</a:t>
             </a:r>
-            <a:endParaRPr lang="ur-PK" sz="2400" dirty="0">
+            <a:endParaRPr lang="ur-PK" sz="3600" dirty="0">
               <a:latin typeface="Arial Narrow" panose="020B0606020202030204" pitchFamily="34" charset="0"/>
             </a:endParaRPr>
           </a:p>
@@ -6759,49 +6699,13 @@
         </p:nvSpPr>
         <p:spPr>
           <a:xfrm>
-            <a:off x="7583878" y="8834180"/>
-            <a:ext cx="2731838" cy="461665"/>
+            <a:off x="13821212" y="9493887"/>
+            <a:ext cx="2837463" cy="1200329"/>
           </a:xfrm>
           <a:prstGeom prst="rect">
             <a:avLst/>
           </a:prstGeom>
-          <a:ln>
-            <a:noFill/>
-          </a:ln>
-        </p:spPr>
-        <p:txBody>
-          <a:bodyPr wrap="none">
-            <a:spAutoFit/>
-          </a:bodyPr>
-          <a:lstStyle/>
-          <a:p>
-            <a:r>
-              <a:rPr lang="en-US" sz="2400" dirty="0" smtClean="0">
-                <a:latin typeface="Arial Narrow" panose="020B0606020202030204" pitchFamily="34" charset="0"/>
-              </a:rPr>
-              <a:t>Fused feature vector Z</a:t>
-            </a:r>
-            <a:endParaRPr lang="ur-PK" sz="2400" dirty="0">
-              <a:latin typeface="Arial Narrow" panose="020B0606020202030204" pitchFamily="34" charset="0"/>
-            </a:endParaRPr>
-          </a:p>
-        </p:txBody>
-      </p:sp>
-      <p:sp>
-        <p:nvSpPr>
-          <p:cNvPr id="142" name="Rectangle 141"/>
-          <p:cNvSpPr/>
-          <p:nvPr/>
-        </p:nvSpPr>
-        <p:spPr>
-          <a:xfrm>
-            <a:off x="9572610" y="11818613"/>
-            <a:ext cx="1793598" cy="830997"/>
-          </a:xfrm>
-          <a:prstGeom prst="rect">
-            <a:avLst/>
-          </a:prstGeom>
-          <a:ln>
+          <a:ln w="57150">
             <a:noFill/>
           </a:ln>
         </p:spPr>
@@ -6811,79 +6715,18 @@
           </a:bodyPr>
           <a:lstStyle/>
           <a:p>
-            <a:pPr algn="ctr"/>
-            <a:r>
-              <a:rPr lang="en-US" sz="2400" b="1" dirty="0" smtClean="0">
-                <a:latin typeface="Arial Narrow" panose="020B0606020202030204" pitchFamily="34" charset="0"/>
-              </a:rPr>
-              <a:t>p(</a:t>
-            </a:r>
-            <a:r>
-              <a:rPr lang="en-US" sz="2400" b="1" dirty="0" err="1" smtClean="0">
-                <a:latin typeface="Arial Narrow" panose="020B0606020202030204" pitchFamily="34" charset="0"/>
-              </a:rPr>
-              <a:t>c∣Z</a:t>
-            </a:r>
-            <a:r>
-              <a:rPr lang="en-US" sz="2400" b="1" dirty="0" smtClean="0">
-                <a:latin typeface="Arial Narrow" panose="020B0606020202030204" pitchFamily="34" charset="0"/>
-              </a:rPr>
-              <a:t>)</a:t>
-            </a:r>
-          </a:p>
-          <a:p>
-            <a:pPr algn="ctr"/>
-            <a:r>
-              <a:rPr lang="en-US" sz="2400" b="1" dirty="0" smtClean="0">
-                <a:latin typeface="Arial Narrow" panose="020B0606020202030204" pitchFamily="34" charset="0"/>
-              </a:rPr>
-              <a:t>,c∈{1,…,5}</a:t>
-            </a:r>
-            <a:endParaRPr lang="ur-PK" sz="2400" b="1" dirty="0">
+            <a:r>
+              <a:rPr lang="en-US" sz="3600" dirty="0" smtClean="0">
+                <a:latin typeface="Arial Narrow" panose="020B0606020202030204" pitchFamily="34" charset="0"/>
+              </a:rPr>
+              <a:t>Fused feature vector Z</a:t>
+            </a:r>
+            <a:endParaRPr lang="ur-PK" sz="3600" dirty="0">
               <a:latin typeface="Arial Narrow" panose="020B0606020202030204" pitchFamily="34" charset="0"/>
             </a:endParaRPr>
           </a:p>
         </p:txBody>
       </p:sp>
-      <p:cxnSp>
-        <p:nvCxnSpPr>
-          <p:cNvPr id="144" name="Straight Arrow Connector 143"/>
-          <p:cNvCxnSpPr>
-            <a:stCxn id="98" idx="3"/>
-            <a:endCxn id="99" idx="1"/>
-          </p:cNvCxnSpPr>
-          <p:nvPr/>
-        </p:nvCxnSpPr>
-        <p:spPr>
-          <a:xfrm>
-            <a:off x="6387673" y="12114637"/>
-            <a:ext cx="438379" cy="31369"/>
-          </a:xfrm>
-          <a:prstGeom prst="straightConnector1">
-            <a:avLst/>
-          </a:prstGeom>
-          <a:ln>
-            <a:solidFill>
-              <a:schemeClr val="tx1"/>
-            </a:solidFill>
-            <a:tailEnd type="triangle"/>
-          </a:ln>
-        </p:spPr>
-        <p:style>
-          <a:lnRef idx="1">
-            <a:schemeClr val="accent1"/>
-          </a:lnRef>
-          <a:fillRef idx="0">
-            <a:schemeClr val="accent1"/>
-          </a:fillRef>
-          <a:effectRef idx="0">
-            <a:schemeClr val="accent1"/>
-          </a:effectRef>
-          <a:fontRef idx="minor">
-            <a:schemeClr val="tx1"/>
-          </a:fontRef>
-        </p:style>
-      </p:cxnSp>
       <p:sp>
         <p:nvSpPr>
           <p:cNvPr id="174" name="Rectangle 173"/>
@@ -6891,46 +6734,16 @@
           <p:nvPr/>
         </p:nvSpPr>
         <p:spPr>
-          <a:xfrm>
-            <a:off x="11570096" y="10431420"/>
-            <a:ext cx="3696846" cy="584775"/>
+          <a:xfrm rot="19513208">
+            <a:off x="-2217465" y="8699404"/>
+            <a:ext cx="3976923" cy="1323439"/>
           </a:xfrm>
           <a:prstGeom prst="rect">
             <a:avLst/>
           </a:prstGeom>
-        </p:spPr>
-        <p:txBody>
-          <a:bodyPr wrap="none">
-            <a:spAutoFit/>
-          </a:bodyPr>
-          <a:lstStyle/>
-          <a:p>
-            <a:r>
-              <a:rPr lang="en-US" sz="3200" b="1" dirty="0" smtClean="0">
-                <a:latin typeface="Arial Narrow" panose="020B0606020202030204" pitchFamily="34" charset="0"/>
-              </a:rPr>
-              <a:t>Expert Fusion Module</a:t>
-            </a:r>
-            <a:endParaRPr lang="ur-PK" sz="3200" b="1" dirty="0">
-              <a:latin typeface="Arial Narrow" panose="020B0606020202030204" pitchFamily="34" charset="0"/>
-            </a:endParaRPr>
-          </a:p>
-        </p:txBody>
-      </p:sp>
-      <p:sp>
-        <p:nvSpPr>
-          <p:cNvPr id="175" name="Rectangle 174"/>
-          <p:cNvSpPr/>
-          <p:nvPr/>
-        </p:nvSpPr>
-        <p:spPr>
-          <a:xfrm>
-            <a:off x="-822203" y="10863574"/>
-            <a:ext cx="2442076" cy="1569660"/>
-          </a:xfrm>
-          <a:prstGeom prst="rect">
-            <a:avLst/>
-          </a:prstGeom>
+          <a:ln w="57150">
+            <a:noFill/>
+          </a:ln>
         </p:spPr>
         <p:txBody>
           <a:bodyPr wrap="square">
@@ -6940,12 +6753,12 @@
           <a:p>
             <a:pPr algn="ctr"/>
             <a:r>
-              <a:rPr lang="en-US" sz="3200" b="1" dirty="0" smtClean="0">
-                <a:latin typeface="Arial Narrow" panose="020B0606020202030204" pitchFamily="34" charset="0"/>
-              </a:rPr>
-              <a:t>Fault Classification Head</a:t>
-            </a:r>
-            <a:endParaRPr lang="ur-PK" sz="3200" b="1" dirty="0">
+              <a:rPr lang="en-US" sz="4000" b="1" dirty="0" smtClean="0">
+                <a:latin typeface="Arial Narrow" panose="020B0606020202030204" pitchFamily="34" charset="0"/>
+              </a:rPr>
+              <a:t>Expert Fusion Module</a:t>
+            </a:r>
+            <a:endParaRPr lang="ur-PK" sz="4000" b="1" dirty="0">
               <a:latin typeface="Arial Narrow" panose="020B0606020202030204" pitchFamily="34" charset="0"/>
             </a:endParaRPr>
           </a:p>
@@ -6953,33 +6766,73 @@
       </p:sp>
       <p:sp>
         <p:nvSpPr>
+          <p:cNvPr id="175" name="Rectangle 174"/>
+          <p:cNvSpPr/>
+          <p:nvPr/>
+        </p:nvSpPr>
+        <p:spPr>
+          <a:xfrm rot="2558676">
+            <a:off x="15280565" y="10919584"/>
+            <a:ext cx="3435592" cy="1938992"/>
+          </a:xfrm>
+          <a:prstGeom prst="rect">
+            <a:avLst/>
+          </a:prstGeom>
+          <a:ln w="57150">
+            <a:noFill/>
+          </a:ln>
+        </p:spPr>
+        <p:txBody>
+          <a:bodyPr wrap="square">
+            <a:spAutoFit/>
+          </a:bodyPr>
+          <a:lstStyle/>
+          <a:p>
+            <a:pPr algn="ctr"/>
+            <a:r>
+              <a:rPr lang="en-US" sz="4000" b="1" dirty="0" smtClean="0">
+                <a:latin typeface="Arial Narrow" panose="020B0606020202030204" pitchFamily="34" charset="0"/>
+              </a:rPr>
+              <a:t>Fault Classification Head</a:t>
+            </a:r>
+            <a:endParaRPr lang="ur-PK" sz="4000" b="1" dirty="0">
+              <a:latin typeface="Arial Narrow" panose="020B0606020202030204" pitchFamily="34" charset="0"/>
+            </a:endParaRPr>
+          </a:p>
+        </p:txBody>
+      </p:sp>
+      <p:sp>
+        <p:nvSpPr>
           <p:cNvPr id="176" name="Rectangle 175"/>
           <p:cNvSpPr/>
           <p:nvPr/>
         </p:nvSpPr>
         <p:spPr>
-          <a:xfrm>
-            <a:off x="10730752" y="7330769"/>
-            <a:ext cx="4119013" cy="584775"/>
+          <a:xfrm rot="1862064">
+            <a:off x="15925395" y="7283441"/>
+            <a:ext cx="2664803" cy="1938992"/>
           </a:xfrm>
           <a:prstGeom prst="rect">
             <a:avLst/>
           </a:prstGeom>
-        </p:spPr>
-        <p:txBody>
-          <a:bodyPr wrap="none">
+          <a:ln w="57150">
+            <a:noFill/>
+          </a:ln>
+        </p:spPr>
+        <p:txBody>
+          <a:bodyPr wrap="square">
             <a:spAutoFit/>
           </a:bodyPr>
           <a:lstStyle/>
           <a:p>
             <a:pPr algn="ctr"/>
             <a:r>
-              <a:rPr lang="en-US" sz="3200" b="1" dirty="0" smtClean="0">
+              <a:rPr lang="en-US" sz="4000" b="1" dirty="0" smtClean="0">
                 <a:latin typeface="Arial Narrow" panose="020B0606020202030204" pitchFamily="34" charset="0"/>
               </a:rPr>
               <a:t>Feature Alignment Layer</a:t>
             </a:r>
-            <a:endParaRPr lang="ur-PK" sz="3200" b="1" dirty="0">
+            <a:endParaRPr lang="ur-PK" sz="4000" b="1" dirty="0">
               <a:latin typeface="Arial Narrow" panose="020B0606020202030204" pitchFamily="34" charset="0"/>
             </a:endParaRPr>
           </a:p>
@@ -6993,12 +6846,19 @@
         </p:nvSpPr>
         <p:spPr>
           <a:xfrm>
-            <a:off x="-8467335" y="4165842"/>
-            <a:ext cx="3637044" cy="2982180"/>
+            <a:off x="-10001844" y="3013905"/>
+            <a:ext cx="4706040" cy="3443086"/>
           </a:xfrm>
           <a:prstGeom prst="flowChartPreparation">
             <a:avLst/>
           </a:prstGeom>
+          <a:solidFill>
+            <a:schemeClr val="accent4">
+              <a:lumMod val="20000"/>
+              <a:lumOff val="80000"/>
+            </a:schemeClr>
+          </a:solidFill>
+          <a:ln w="57150"/>
         </p:spPr>
         <p:style>
           <a:lnRef idx="2">
@@ -7022,7 +6882,7 @@
           <a:p>
             <a:pPr algn="ctr"/>
             <a:r>
-              <a:rPr lang="en-US" sz="3600" dirty="0">
+              <a:rPr lang="en-US" sz="4400" b="1" dirty="0">
                 <a:solidFill>
                   <a:schemeClr val="tx1"/>
                 </a:solidFill>
@@ -7030,7 +6890,7 @@
               </a:rPr>
               <a:t>Explainable AI </a:t>
             </a:r>
-            <a:endParaRPr lang="ur-PK" sz="3600" dirty="0">
+            <a:endParaRPr lang="ur-PK" sz="4400" b="1" dirty="0">
               <a:solidFill>
                 <a:schemeClr val="tx1"/>
               </a:solidFill>
@@ -7047,12 +6907,19 @@
         </p:nvSpPr>
         <p:spPr>
           <a:xfrm>
-            <a:off x="-8330575" y="7410894"/>
-            <a:ext cx="3505200" cy="2982180"/>
+            <a:off x="-9600380" y="6735294"/>
+            <a:ext cx="4073126" cy="2962260"/>
           </a:xfrm>
           <a:prstGeom prst="flowChartPreparation">
             <a:avLst/>
           </a:prstGeom>
+          <a:solidFill>
+            <a:schemeClr val="accent6">
+              <a:lumMod val="20000"/>
+              <a:lumOff val="80000"/>
+            </a:schemeClr>
+          </a:solidFill>
+          <a:ln w="57150"/>
         </p:spPr>
         <p:style>
           <a:lnRef idx="2">
@@ -7076,21 +6943,39 @@
           <a:p>
             <a:pPr algn="ctr"/>
             <a:r>
-              <a:rPr lang="en-US" sz="3600" dirty="0">
-                <a:solidFill>
-                  <a:schemeClr val="tx1"/>
-                </a:solidFill>
-                <a:latin typeface="Arial Narrow" panose="020B0606020202030204" pitchFamily="34" charset="0"/>
-              </a:rPr>
-              <a:t>Ethical AI </a:t>
-            </a:r>
-            <a:endParaRPr lang="ur-PK" sz="3600" dirty="0">
+              <a:rPr lang="en-US" sz="4400" b="1" dirty="0">
+                <a:solidFill>
+                  <a:schemeClr val="tx1"/>
+                </a:solidFill>
+                <a:latin typeface="Arial Narrow" panose="020B0606020202030204" pitchFamily="34" charset="0"/>
+              </a:rPr>
+              <a:t>Ethical </a:t>
+            </a:r>
+            <a:endParaRPr lang="en-US" sz="4400" b="1" dirty="0" smtClean="0">
               <a:solidFill>
                 <a:schemeClr val="tx1"/>
               </a:solidFill>
               <a:latin typeface="Arial Narrow" panose="020B0606020202030204" pitchFamily="34" charset="0"/>
             </a:endParaRPr>
           </a:p>
+          <a:p>
+            <a:pPr algn="ctr"/>
+            <a:r>
+              <a:rPr lang="en-US" sz="4400" b="1" dirty="0" smtClean="0">
+                <a:solidFill>
+                  <a:schemeClr val="tx1"/>
+                </a:solidFill>
+                <a:latin typeface="Arial Narrow" panose="020B0606020202030204" pitchFamily="34" charset="0"/>
+              </a:rPr>
+              <a:t>AI </a:t>
+            </a:r>
+            <a:endParaRPr lang="ur-PK" sz="4400" b="1" dirty="0">
+              <a:solidFill>
+                <a:schemeClr val="tx1"/>
+              </a:solidFill>
+              <a:latin typeface="Arial Narrow" panose="020B0606020202030204" pitchFamily="34" charset="0"/>
+            </a:endParaRPr>
+          </a:p>
         </p:txBody>
       </p:sp>
       <p:sp>
@@ -7101,12 +6986,19 @@
         </p:nvSpPr>
         <p:spPr>
           <a:xfrm>
-            <a:off x="-8651862" y="10743021"/>
-            <a:ext cx="3838906" cy="2982180"/>
+            <a:off x="-10097869" y="10015185"/>
+            <a:ext cx="4655630" cy="3293781"/>
           </a:xfrm>
           <a:prstGeom prst="flowChartPreparation">
             <a:avLst/>
           </a:prstGeom>
+          <a:solidFill>
+            <a:schemeClr val="accent2">
+              <a:lumMod val="20000"/>
+              <a:lumOff val="80000"/>
+            </a:schemeClr>
+          </a:solidFill>
+          <a:ln w="57150"/>
         </p:spPr>
         <p:style>
           <a:lnRef idx="2">
@@ -7130,7 +7022,7 @@
           <a:p>
             <a:pPr algn="ctr"/>
             <a:r>
-              <a:rPr lang="en-US" sz="3600">
+              <a:rPr lang="en-US" sz="4400" b="1" dirty="0">
                 <a:solidFill>
                   <a:schemeClr val="tx1"/>
                 </a:solidFill>
@@ -7138,7 +7030,7 @@
               </a:rPr>
               <a:t>Edge &amp; Real-Time Constraints</a:t>
             </a:r>
-            <a:endParaRPr lang="ur-PK" sz="3600">
+            <a:endParaRPr lang="ur-PK" sz="4400" b="1" dirty="0">
               <a:solidFill>
                 <a:schemeClr val="tx1"/>
               </a:solidFill>
@@ -7155,26 +7047,128 @@
         </p:nvSpPr>
         <p:spPr>
           <a:xfrm rot="5400000">
-            <a:off x="14136039" y="6389813"/>
-            <a:ext cx="3316934" cy="1323439"/>
+            <a:off x="17496539" y="7126403"/>
+            <a:ext cx="3002745" cy="1200329"/>
           </a:xfrm>
           <a:prstGeom prst="rect">
             <a:avLst/>
           </a:prstGeom>
-        </p:spPr>
-        <p:txBody>
-          <a:bodyPr wrap="none">
+          <a:ln w="57150">
+            <a:noFill/>
+          </a:ln>
+        </p:spPr>
+        <p:txBody>
+          <a:bodyPr wrap="square">
             <a:spAutoFit/>
           </a:bodyPr>
           <a:lstStyle/>
           <a:p>
             <a:r>
-              <a:rPr lang="en-US" sz="8000" b="1" dirty="0" err="1">
+              <a:rPr lang="en-US" sz="7200" b="1" dirty="0" err="1">
+                <a:solidFill>
+                  <a:srgbClr val="C00000"/>
+                </a:solidFill>
                 <a:latin typeface="Arial Narrow" panose="020B0606020202030204" pitchFamily="34" charset="0"/>
               </a:rPr>
               <a:t>FEMNet</a:t>
             </a:r>
-            <a:endParaRPr lang="ur-PK" sz="8000" b="1" dirty="0">
+            <a:endParaRPr lang="ur-PK" sz="7200" b="1" dirty="0">
+              <a:solidFill>
+                <a:srgbClr val="C00000"/>
+              </a:solidFill>
+              <a:latin typeface="Arial Narrow" panose="020B0606020202030204" pitchFamily="34" charset="0"/>
+            </a:endParaRPr>
+          </a:p>
+        </p:txBody>
+      </p:sp>
+      <p:sp>
+        <p:nvSpPr>
+          <p:cNvPr id="111" name="Chevron 110"/>
+          <p:cNvSpPr/>
+          <p:nvPr/>
+        </p:nvSpPr>
+        <p:spPr>
+          <a:xfrm>
+            <a:off x="9802538" y="11458238"/>
+            <a:ext cx="3879838" cy="1667435"/>
+          </a:xfrm>
+          <a:prstGeom prst="chevron">
+            <a:avLst/>
+          </a:prstGeom>
+          <a:solidFill>
+            <a:schemeClr val="accent2">
+              <a:lumMod val="60000"/>
+              <a:lumOff val="40000"/>
+            </a:schemeClr>
+          </a:solidFill>
+          <a:ln w="57150">
+            <a:noFill/>
+          </a:ln>
+        </p:spPr>
+        <p:style>
+          <a:lnRef idx="2">
+            <a:schemeClr val="accent1">
+              <a:shade val="50000"/>
+            </a:schemeClr>
+          </a:lnRef>
+          <a:fillRef idx="1">
+            <a:schemeClr val="accent1"/>
+          </a:fillRef>
+          <a:effectRef idx="0">
+            <a:schemeClr val="accent1"/>
+          </a:effectRef>
+          <a:fontRef idx="minor">
+            <a:schemeClr val="lt1"/>
+          </a:fontRef>
+        </p:style>
+        <p:txBody>
+          <a:bodyPr rtlCol="1" anchor="ctr"/>
+          <a:lstStyle/>
+          <a:p>
+            <a:pPr algn="ctr"/>
+            <a:r>
+              <a:rPr lang="en-US" sz="3600" dirty="0">
+                <a:solidFill>
+                  <a:schemeClr val="tx1"/>
+                </a:solidFill>
+                <a:latin typeface="Arial Narrow" panose="020B0606020202030204" pitchFamily="34" charset="0"/>
+              </a:rPr>
+              <a:t>p(</a:t>
+            </a:r>
+            <a:r>
+              <a:rPr lang="en-US" sz="3600" dirty="0" err="1">
+                <a:solidFill>
+                  <a:schemeClr val="tx1"/>
+                </a:solidFill>
+                <a:latin typeface="Arial Narrow" panose="020B0606020202030204" pitchFamily="34" charset="0"/>
+              </a:rPr>
+              <a:t>c∣Z</a:t>
+            </a:r>
+            <a:r>
+              <a:rPr lang="en-US" sz="3600" dirty="0">
+                <a:solidFill>
+                  <a:schemeClr val="tx1"/>
+                </a:solidFill>
+                <a:latin typeface="Arial Narrow" panose="020B0606020202030204" pitchFamily="34" charset="0"/>
+              </a:rPr>
+              <a:t>)</a:t>
+            </a:r>
+          </a:p>
+          <a:p>
+            <a:pPr algn="ctr"/>
+            <a:r>
+              <a:rPr lang="en-US" sz="3600" dirty="0">
+                <a:solidFill>
+                  <a:schemeClr val="tx1"/>
+                </a:solidFill>
+                <a:latin typeface="Arial Narrow" panose="020B0606020202030204" pitchFamily="34" charset="0"/>
+              </a:rPr>
+              <a:t>,c∈{1,…,5}</a:t>
+            </a:r>
+            <a:endParaRPr lang="ur-PK" sz="3600" dirty="0">
+              <a:solidFill>
+                <a:schemeClr val="tx1"/>
+              </a:solidFill>
               <a:latin typeface="Arial Narrow" panose="020B0606020202030204" pitchFamily="34" charset="0"/>
             </a:endParaRPr>
           </a:p>
